--- a/presentation/sql.pptx
+++ b/presentation/sql.pptx
@@ -256,7 +256,7 @@
             <a:fld id="{7005B5E2-4A56-4394-99FE-7E854B2120C3}" type="datetimeFigureOut">
               <a:rPr lang="ru-RU" smtClean="0"/>
               <a:pPr/>
-              <a:t>08.10.2019</a:t>
+              <a:t>15.10.2019</a:t>
             </a:fld>
             <a:endParaRPr lang="ru-RU"/>
           </a:p>
@@ -520,6 +520,2220 @@
     </a:lvl9pPr>
   </p:notesStyle>
 </p:notesMaster>
+</file>
+
+<file path=ppt/notesSlides/notesSlide1.xml><?xml version="1.0" encoding="utf-8"?>
+<p:notes xmlns:a="http://schemas.openxmlformats.org/drawingml/2006/main" xmlns:r="http://schemas.openxmlformats.org/officeDocument/2006/relationships" xmlns:p="http://schemas.openxmlformats.org/presentationml/2006/main">
+  <p:cSld>
+    <p:spTree>
+      <p:nvGrpSpPr>
+        <p:cNvPr id="1" name=""/>
+        <p:cNvGrpSpPr/>
+        <p:nvPr/>
+      </p:nvGrpSpPr>
+      <p:grpSpPr>
+        <a:xfrm>
+          <a:off x="0" y="0"/>
+          <a:ext cx="0" cy="0"/>
+          <a:chOff x="0" y="0"/>
+          <a:chExt cx="0" cy="0"/>
+        </a:xfrm>
+      </p:grpSpPr>
+      <p:sp>
+        <p:nvSpPr>
+          <p:cNvPr id="2" name="Образ слайда 1"/>
+          <p:cNvSpPr>
+            <a:spLocks noGrp="1" noRot="1" noChangeAspect="1"/>
+          </p:cNvSpPr>
+          <p:nvPr>
+            <p:ph type="sldImg"/>
+          </p:nvPr>
+        </p:nvSpPr>
+        <p:spPr/>
+      </p:sp>
+      <p:sp>
+        <p:nvSpPr>
+          <p:cNvPr id="3" name="Заметки 2"/>
+          <p:cNvSpPr>
+            <a:spLocks noGrp="1"/>
+          </p:cNvSpPr>
+          <p:nvPr>
+            <p:ph type="body" idx="1"/>
+          </p:nvPr>
+        </p:nvSpPr>
+        <p:spPr/>
+        <p:txBody>
+          <a:bodyPr>
+            <a:normAutofit/>
+          </a:bodyPr>
+          <a:lstStyle/>
+          <a:p>
+            <a:endParaRPr lang="ru-RU" b="1" dirty="0"/>
+          </a:p>
+        </p:txBody>
+      </p:sp>
+      <p:sp>
+        <p:nvSpPr>
+          <p:cNvPr id="4" name="Номер слайда 3"/>
+          <p:cNvSpPr>
+            <a:spLocks noGrp="1"/>
+          </p:cNvSpPr>
+          <p:nvPr>
+            <p:ph type="sldNum" sz="quarter" idx="10"/>
+          </p:nvPr>
+        </p:nvSpPr>
+        <p:spPr/>
+        <p:txBody>
+          <a:bodyPr/>
+          <a:lstStyle/>
+          <a:p>
+            <a:fld id="{B9C302D2-0296-4AEA-8A6D-C48187813113}" type="slidenum">
+              <a:rPr lang="ru-RU" smtClean="0"/>
+              <a:pPr/>
+              <a:t>4</a:t>
+            </a:fld>
+            <a:endParaRPr lang="ru-RU"/>
+          </a:p>
+        </p:txBody>
+      </p:sp>
+    </p:spTree>
+  </p:cSld>
+  <p:clrMapOvr>
+    <a:masterClrMapping/>
+  </p:clrMapOvr>
+</p:notes>
+</file>
+
+<file path=ppt/notesSlides/notesSlide10.xml><?xml version="1.0" encoding="utf-8"?>
+<p:notes xmlns:a="http://schemas.openxmlformats.org/drawingml/2006/main" xmlns:r="http://schemas.openxmlformats.org/officeDocument/2006/relationships" xmlns:p="http://schemas.openxmlformats.org/presentationml/2006/main">
+  <p:cSld>
+    <p:spTree>
+      <p:nvGrpSpPr>
+        <p:cNvPr id="1" name=""/>
+        <p:cNvGrpSpPr/>
+        <p:nvPr/>
+      </p:nvGrpSpPr>
+      <p:grpSpPr>
+        <a:xfrm>
+          <a:off x="0" y="0"/>
+          <a:ext cx="0" cy="0"/>
+          <a:chOff x="0" y="0"/>
+          <a:chExt cx="0" cy="0"/>
+        </a:xfrm>
+      </p:grpSpPr>
+      <p:sp>
+        <p:nvSpPr>
+          <p:cNvPr id="2" name="Образ слайда 1"/>
+          <p:cNvSpPr>
+            <a:spLocks noGrp="1" noRot="1" noChangeAspect="1"/>
+          </p:cNvSpPr>
+          <p:nvPr>
+            <p:ph type="sldImg"/>
+          </p:nvPr>
+        </p:nvSpPr>
+        <p:spPr/>
+      </p:sp>
+      <p:sp>
+        <p:nvSpPr>
+          <p:cNvPr id="3" name="Заметки 2"/>
+          <p:cNvSpPr>
+            <a:spLocks noGrp="1"/>
+          </p:cNvSpPr>
+          <p:nvPr>
+            <p:ph type="body" idx="1"/>
+          </p:nvPr>
+        </p:nvSpPr>
+        <p:spPr/>
+        <p:txBody>
+          <a:bodyPr>
+            <a:normAutofit/>
+          </a:bodyPr>
+          <a:lstStyle/>
+          <a:p>
+            <a:endParaRPr lang="ru-RU" dirty="0"/>
+          </a:p>
+        </p:txBody>
+      </p:sp>
+      <p:sp>
+        <p:nvSpPr>
+          <p:cNvPr id="4" name="Номер слайда 3"/>
+          <p:cNvSpPr>
+            <a:spLocks noGrp="1"/>
+          </p:cNvSpPr>
+          <p:nvPr>
+            <p:ph type="sldNum" sz="quarter" idx="10"/>
+          </p:nvPr>
+        </p:nvSpPr>
+        <p:spPr/>
+        <p:txBody>
+          <a:bodyPr/>
+          <a:lstStyle/>
+          <a:p>
+            <a:fld id="{B9C302D2-0296-4AEA-8A6D-C48187813113}" type="slidenum">
+              <a:rPr lang="ru-RU" smtClean="0"/>
+              <a:pPr/>
+              <a:t>13</a:t>
+            </a:fld>
+            <a:endParaRPr lang="ru-RU"/>
+          </a:p>
+        </p:txBody>
+      </p:sp>
+    </p:spTree>
+  </p:cSld>
+  <p:clrMapOvr>
+    <a:masterClrMapping/>
+  </p:clrMapOvr>
+</p:notes>
+</file>
+
+<file path=ppt/notesSlides/notesSlide11.xml><?xml version="1.0" encoding="utf-8"?>
+<p:notes xmlns:a="http://schemas.openxmlformats.org/drawingml/2006/main" xmlns:r="http://schemas.openxmlformats.org/officeDocument/2006/relationships" xmlns:p="http://schemas.openxmlformats.org/presentationml/2006/main">
+  <p:cSld>
+    <p:spTree>
+      <p:nvGrpSpPr>
+        <p:cNvPr id="1" name=""/>
+        <p:cNvGrpSpPr/>
+        <p:nvPr/>
+      </p:nvGrpSpPr>
+      <p:grpSpPr>
+        <a:xfrm>
+          <a:off x="0" y="0"/>
+          <a:ext cx="0" cy="0"/>
+          <a:chOff x="0" y="0"/>
+          <a:chExt cx="0" cy="0"/>
+        </a:xfrm>
+      </p:grpSpPr>
+      <p:sp>
+        <p:nvSpPr>
+          <p:cNvPr id="2" name="Образ слайда 1"/>
+          <p:cNvSpPr>
+            <a:spLocks noGrp="1" noRot="1" noChangeAspect="1"/>
+          </p:cNvSpPr>
+          <p:nvPr>
+            <p:ph type="sldImg"/>
+          </p:nvPr>
+        </p:nvSpPr>
+        <p:spPr/>
+      </p:sp>
+      <p:sp>
+        <p:nvSpPr>
+          <p:cNvPr id="3" name="Заметки 2"/>
+          <p:cNvSpPr>
+            <a:spLocks noGrp="1"/>
+          </p:cNvSpPr>
+          <p:nvPr>
+            <p:ph type="body" idx="1"/>
+          </p:nvPr>
+        </p:nvSpPr>
+        <p:spPr/>
+        <p:txBody>
+          <a:bodyPr>
+            <a:normAutofit/>
+          </a:bodyPr>
+          <a:lstStyle/>
+          <a:p>
+            <a:endParaRPr lang="ru-RU" dirty="0"/>
+          </a:p>
+        </p:txBody>
+      </p:sp>
+      <p:sp>
+        <p:nvSpPr>
+          <p:cNvPr id="4" name="Номер слайда 3"/>
+          <p:cNvSpPr>
+            <a:spLocks noGrp="1"/>
+          </p:cNvSpPr>
+          <p:nvPr>
+            <p:ph type="sldNum" sz="quarter" idx="10"/>
+          </p:nvPr>
+        </p:nvSpPr>
+        <p:spPr/>
+        <p:txBody>
+          <a:bodyPr/>
+          <a:lstStyle/>
+          <a:p>
+            <a:fld id="{B9C302D2-0296-4AEA-8A6D-C48187813113}" type="slidenum">
+              <a:rPr lang="ru-RU" smtClean="0"/>
+              <a:pPr/>
+              <a:t>15</a:t>
+            </a:fld>
+            <a:endParaRPr lang="ru-RU"/>
+          </a:p>
+        </p:txBody>
+      </p:sp>
+    </p:spTree>
+  </p:cSld>
+  <p:clrMapOvr>
+    <a:masterClrMapping/>
+  </p:clrMapOvr>
+</p:notes>
+</file>
+
+<file path=ppt/notesSlides/notesSlide12.xml><?xml version="1.0" encoding="utf-8"?>
+<p:notes xmlns:a="http://schemas.openxmlformats.org/drawingml/2006/main" xmlns:r="http://schemas.openxmlformats.org/officeDocument/2006/relationships" xmlns:p="http://schemas.openxmlformats.org/presentationml/2006/main">
+  <p:cSld>
+    <p:spTree>
+      <p:nvGrpSpPr>
+        <p:cNvPr id="1" name=""/>
+        <p:cNvGrpSpPr/>
+        <p:nvPr/>
+      </p:nvGrpSpPr>
+      <p:grpSpPr>
+        <a:xfrm>
+          <a:off x="0" y="0"/>
+          <a:ext cx="0" cy="0"/>
+          <a:chOff x="0" y="0"/>
+          <a:chExt cx="0" cy="0"/>
+        </a:xfrm>
+      </p:grpSpPr>
+      <p:sp>
+        <p:nvSpPr>
+          <p:cNvPr id="2" name="Образ слайда 1"/>
+          <p:cNvSpPr>
+            <a:spLocks noGrp="1" noRot="1" noChangeAspect="1"/>
+          </p:cNvSpPr>
+          <p:nvPr>
+            <p:ph type="sldImg"/>
+          </p:nvPr>
+        </p:nvSpPr>
+        <p:spPr/>
+      </p:sp>
+      <p:sp>
+        <p:nvSpPr>
+          <p:cNvPr id="3" name="Заметки 2"/>
+          <p:cNvSpPr>
+            <a:spLocks noGrp="1"/>
+          </p:cNvSpPr>
+          <p:nvPr>
+            <p:ph type="body" idx="1"/>
+          </p:nvPr>
+        </p:nvSpPr>
+        <p:spPr/>
+        <p:txBody>
+          <a:bodyPr>
+            <a:normAutofit/>
+          </a:bodyPr>
+          <a:lstStyle/>
+          <a:p>
+            <a:endParaRPr lang="ru-RU" dirty="0"/>
+          </a:p>
+        </p:txBody>
+      </p:sp>
+      <p:sp>
+        <p:nvSpPr>
+          <p:cNvPr id="4" name="Номер слайда 3"/>
+          <p:cNvSpPr>
+            <a:spLocks noGrp="1"/>
+          </p:cNvSpPr>
+          <p:nvPr>
+            <p:ph type="sldNum" sz="quarter" idx="10"/>
+          </p:nvPr>
+        </p:nvSpPr>
+        <p:spPr/>
+        <p:txBody>
+          <a:bodyPr/>
+          <a:lstStyle/>
+          <a:p>
+            <a:fld id="{B9C302D2-0296-4AEA-8A6D-C48187813113}" type="slidenum">
+              <a:rPr lang="ru-RU" smtClean="0"/>
+              <a:pPr/>
+              <a:t>16</a:t>
+            </a:fld>
+            <a:endParaRPr lang="ru-RU"/>
+          </a:p>
+        </p:txBody>
+      </p:sp>
+    </p:spTree>
+  </p:cSld>
+  <p:clrMapOvr>
+    <a:masterClrMapping/>
+  </p:clrMapOvr>
+</p:notes>
+</file>
+
+<file path=ppt/notesSlides/notesSlide13.xml><?xml version="1.0" encoding="utf-8"?>
+<p:notes xmlns:a="http://schemas.openxmlformats.org/drawingml/2006/main" xmlns:r="http://schemas.openxmlformats.org/officeDocument/2006/relationships" xmlns:p="http://schemas.openxmlformats.org/presentationml/2006/main">
+  <p:cSld>
+    <p:spTree>
+      <p:nvGrpSpPr>
+        <p:cNvPr id="1" name=""/>
+        <p:cNvGrpSpPr/>
+        <p:nvPr/>
+      </p:nvGrpSpPr>
+      <p:grpSpPr>
+        <a:xfrm>
+          <a:off x="0" y="0"/>
+          <a:ext cx="0" cy="0"/>
+          <a:chOff x="0" y="0"/>
+          <a:chExt cx="0" cy="0"/>
+        </a:xfrm>
+      </p:grpSpPr>
+      <p:sp>
+        <p:nvSpPr>
+          <p:cNvPr id="2" name="Образ слайда 1"/>
+          <p:cNvSpPr>
+            <a:spLocks noGrp="1" noRot="1" noChangeAspect="1"/>
+          </p:cNvSpPr>
+          <p:nvPr>
+            <p:ph type="sldImg"/>
+          </p:nvPr>
+        </p:nvSpPr>
+        <p:spPr/>
+      </p:sp>
+      <p:sp>
+        <p:nvSpPr>
+          <p:cNvPr id="3" name="Заметки 2"/>
+          <p:cNvSpPr>
+            <a:spLocks noGrp="1"/>
+          </p:cNvSpPr>
+          <p:nvPr>
+            <p:ph type="body" idx="1"/>
+          </p:nvPr>
+        </p:nvSpPr>
+        <p:spPr/>
+        <p:txBody>
+          <a:bodyPr>
+            <a:normAutofit/>
+          </a:bodyPr>
+          <a:lstStyle/>
+          <a:p>
+            <a:endParaRPr lang="ru-RU" dirty="0"/>
+          </a:p>
+        </p:txBody>
+      </p:sp>
+      <p:sp>
+        <p:nvSpPr>
+          <p:cNvPr id="4" name="Номер слайда 3"/>
+          <p:cNvSpPr>
+            <a:spLocks noGrp="1"/>
+          </p:cNvSpPr>
+          <p:nvPr>
+            <p:ph type="sldNum" sz="quarter" idx="10"/>
+          </p:nvPr>
+        </p:nvSpPr>
+        <p:spPr/>
+        <p:txBody>
+          <a:bodyPr/>
+          <a:lstStyle/>
+          <a:p>
+            <a:fld id="{B9C302D2-0296-4AEA-8A6D-C48187813113}" type="slidenum">
+              <a:rPr lang="ru-RU" smtClean="0"/>
+              <a:pPr/>
+              <a:t>17</a:t>
+            </a:fld>
+            <a:endParaRPr lang="ru-RU"/>
+          </a:p>
+        </p:txBody>
+      </p:sp>
+    </p:spTree>
+  </p:cSld>
+  <p:clrMapOvr>
+    <a:masterClrMapping/>
+  </p:clrMapOvr>
+</p:notes>
+</file>
+
+<file path=ppt/notesSlides/notesSlide14.xml><?xml version="1.0" encoding="utf-8"?>
+<p:notes xmlns:a="http://schemas.openxmlformats.org/drawingml/2006/main" xmlns:r="http://schemas.openxmlformats.org/officeDocument/2006/relationships" xmlns:p="http://schemas.openxmlformats.org/presentationml/2006/main">
+  <p:cSld>
+    <p:spTree>
+      <p:nvGrpSpPr>
+        <p:cNvPr id="1" name=""/>
+        <p:cNvGrpSpPr/>
+        <p:nvPr/>
+      </p:nvGrpSpPr>
+      <p:grpSpPr>
+        <a:xfrm>
+          <a:off x="0" y="0"/>
+          <a:ext cx="0" cy="0"/>
+          <a:chOff x="0" y="0"/>
+          <a:chExt cx="0" cy="0"/>
+        </a:xfrm>
+      </p:grpSpPr>
+      <p:sp>
+        <p:nvSpPr>
+          <p:cNvPr id="2" name="Образ слайда 1"/>
+          <p:cNvSpPr>
+            <a:spLocks noGrp="1" noRot="1" noChangeAspect="1"/>
+          </p:cNvSpPr>
+          <p:nvPr>
+            <p:ph type="sldImg"/>
+          </p:nvPr>
+        </p:nvSpPr>
+        <p:spPr/>
+      </p:sp>
+      <p:sp>
+        <p:nvSpPr>
+          <p:cNvPr id="3" name="Заметки 2"/>
+          <p:cNvSpPr>
+            <a:spLocks noGrp="1"/>
+          </p:cNvSpPr>
+          <p:nvPr>
+            <p:ph type="body" idx="1"/>
+          </p:nvPr>
+        </p:nvSpPr>
+        <p:spPr/>
+        <p:txBody>
+          <a:bodyPr>
+            <a:normAutofit/>
+          </a:bodyPr>
+          <a:lstStyle/>
+          <a:p>
+            <a:endParaRPr lang="ru-RU" dirty="0"/>
+          </a:p>
+        </p:txBody>
+      </p:sp>
+      <p:sp>
+        <p:nvSpPr>
+          <p:cNvPr id="4" name="Номер слайда 3"/>
+          <p:cNvSpPr>
+            <a:spLocks noGrp="1"/>
+          </p:cNvSpPr>
+          <p:nvPr>
+            <p:ph type="sldNum" sz="quarter" idx="10"/>
+          </p:nvPr>
+        </p:nvSpPr>
+        <p:spPr/>
+        <p:txBody>
+          <a:bodyPr/>
+          <a:lstStyle/>
+          <a:p>
+            <a:fld id="{B9C302D2-0296-4AEA-8A6D-C48187813113}" type="slidenum">
+              <a:rPr lang="ru-RU" smtClean="0"/>
+              <a:pPr/>
+              <a:t>18</a:t>
+            </a:fld>
+            <a:endParaRPr lang="ru-RU"/>
+          </a:p>
+        </p:txBody>
+      </p:sp>
+    </p:spTree>
+  </p:cSld>
+  <p:clrMapOvr>
+    <a:masterClrMapping/>
+  </p:clrMapOvr>
+</p:notes>
+</file>
+
+<file path=ppt/notesSlides/notesSlide15.xml><?xml version="1.0" encoding="utf-8"?>
+<p:notes xmlns:a="http://schemas.openxmlformats.org/drawingml/2006/main" xmlns:r="http://schemas.openxmlformats.org/officeDocument/2006/relationships" xmlns:p="http://schemas.openxmlformats.org/presentationml/2006/main">
+  <p:cSld>
+    <p:spTree>
+      <p:nvGrpSpPr>
+        <p:cNvPr id="1" name=""/>
+        <p:cNvGrpSpPr/>
+        <p:nvPr/>
+      </p:nvGrpSpPr>
+      <p:grpSpPr>
+        <a:xfrm>
+          <a:off x="0" y="0"/>
+          <a:ext cx="0" cy="0"/>
+          <a:chOff x="0" y="0"/>
+          <a:chExt cx="0" cy="0"/>
+        </a:xfrm>
+      </p:grpSpPr>
+      <p:sp>
+        <p:nvSpPr>
+          <p:cNvPr id="2" name="Образ слайда 1"/>
+          <p:cNvSpPr>
+            <a:spLocks noGrp="1" noRot="1" noChangeAspect="1"/>
+          </p:cNvSpPr>
+          <p:nvPr>
+            <p:ph type="sldImg"/>
+          </p:nvPr>
+        </p:nvSpPr>
+        <p:spPr/>
+      </p:sp>
+      <p:sp>
+        <p:nvSpPr>
+          <p:cNvPr id="3" name="Заметки 2"/>
+          <p:cNvSpPr>
+            <a:spLocks noGrp="1"/>
+          </p:cNvSpPr>
+          <p:nvPr>
+            <p:ph type="body" idx="1"/>
+          </p:nvPr>
+        </p:nvSpPr>
+        <p:spPr/>
+        <p:txBody>
+          <a:bodyPr>
+            <a:normAutofit/>
+          </a:bodyPr>
+          <a:lstStyle/>
+          <a:p>
+            <a:endParaRPr lang="ru-RU" dirty="0"/>
+          </a:p>
+        </p:txBody>
+      </p:sp>
+      <p:sp>
+        <p:nvSpPr>
+          <p:cNvPr id="4" name="Номер слайда 3"/>
+          <p:cNvSpPr>
+            <a:spLocks noGrp="1"/>
+          </p:cNvSpPr>
+          <p:nvPr>
+            <p:ph type="sldNum" sz="quarter" idx="10"/>
+          </p:nvPr>
+        </p:nvSpPr>
+        <p:spPr/>
+        <p:txBody>
+          <a:bodyPr/>
+          <a:lstStyle/>
+          <a:p>
+            <a:fld id="{B9C302D2-0296-4AEA-8A6D-C48187813113}" type="slidenum">
+              <a:rPr lang="ru-RU" smtClean="0"/>
+              <a:pPr/>
+              <a:t>20</a:t>
+            </a:fld>
+            <a:endParaRPr lang="ru-RU"/>
+          </a:p>
+        </p:txBody>
+      </p:sp>
+    </p:spTree>
+  </p:cSld>
+  <p:clrMapOvr>
+    <a:masterClrMapping/>
+  </p:clrMapOvr>
+</p:notes>
+</file>
+
+<file path=ppt/notesSlides/notesSlide16.xml><?xml version="1.0" encoding="utf-8"?>
+<p:notes xmlns:a="http://schemas.openxmlformats.org/drawingml/2006/main" xmlns:r="http://schemas.openxmlformats.org/officeDocument/2006/relationships" xmlns:p="http://schemas.openxmlformats.org/presentationml/2006/main">
+  <p:cSld>
+    <p:spTree>
+      <p:nvGrpSpPr>
+        <p:cNvPr id="1" name=""/>
+        <p:cNvGrpSpPr/>
+        <p:nvPr/>
+      </p:nvGrpSpPr>
+      <p:grpSpPr>
+        <a:xfrm>
+          <a:off x="0" y="0"/>
+          <a:ext cx="0" cy="0"/>
+          <a:chOff x="0" y="0"/>
+          <a:chExt cx="0" cy="0"/>
+        </a:xfrm>
+      </p:grpSpPr>
+      <p:sp>
+        <p:nvSpPr>
+          <p:cNvPr id="2" name="Образ слайда 1"/>
+          <p:cNvSpPr>
+            <a:spLocks noGrp="1" noRot="1" noChangeAspect="1"/>
+          </p:cNvSpPr>
+          <p:nvPr>
+            <p:ph type="sldImg"/>
+          </p:nvPr>
+        </p:nvSpPr>
+        <p:spPr/>
+      </p:sp>
+      <p:sp>
+        <p:nvSpPr>
+          <p:cNvPr id="3" name="Заметки 2"/>
+          <p:cNvSpPr>
+            <a:spLocks noGrp="1"/>
+          </p:cNvSpPr>
+          <p:nvPr>
+            <p:ph type="body" idx="1"/>
+          </p:nvPr>
+        </p:nvSpPr>
+        <p:spPr/>
+        <p:txBody>
+          <a:bodyPr>
+            <a:normAutofit/>
+          </a:bodyPr>
+          <a:lstStyle/>
+          <a:p>
+            <a:endParaRPr lang="ru-RU" dirty="0"/>
+          </a:p>
+        </p:txBody>
+      </p:sp>
+      <p:sp>
+        <p:nvSpPr>
+          <p:cNvPr id="4" name="Номер слайда 3"/>
+          <p:cNvSpPr>
+            <a:spLocks noGrp="1"/>
+          </p:cNvSpPr>
+          <p:nvPr>
+            <p:ph type="sldNum" sz="quarter" idx="10"/>
+          </p:nvPr>
+        </p:nvSpPr>
+        <p:spPr/>
+        <p:txBody>
+          <a:bodyPr/>
+          <a:lstStyle/>
+          <a:p>
+            <a:fld id="{B9C302D2-0296-4AEA-8A6D-C48187813113}" type="slidenum">
+              <a:rPr lang="ru-RU" smtClean="0"/>
+              <a:pPr/>
+              <a:t>21</a:t>
+            </a:fld>
+            <a:endParaRPr lang="ru-RU"/>
+          </a:p>
+        </p:txBody>
+      </p:sp>
+    </p:spTree>
+  </p:cSld>
+  <p:clrMapOvr>
+    <a:masterClrMapping/>
+  </p:clrMapOvr>
+</p:notes>
+</file>
+
+<file path=ppt/notesSlides/notesSlide17.xml><?xml version="1.0" encoding="utf-8"?>
+<p:notes xmlns:a="http://schemas.openxmlformats.org/drawingml/2006/main" xmlns:r="http://schemas.openxmlformats.org/officeDocument/2006/relationships" xmlns:p="http://schemas.openxmlformats.org/presentationml/2006/main">
+  <p:cSld>
+    <p:spTree>
+      <p:nvGrpSpPr>
+        <p:cNvPr id="1" name=""/>
+        <p:cNvGrpSpPr/>
+        <p:nvPr/>
+      </p:nvGrpSpPr>
+      <p:grpSpPr>
+        <a:xfrm>
+          <a:off x="0" y="0"/>
+          <a:ext cx="0" cy="0"/>
+          <a:chOff x="0" y="0"/>
+          <a:chExt cx="0" cy="0"/>
+        </a:xfrm>
+      </p:grpSpPr>
+      <p:sp>
+        <p:nvSpPr>
+          <p:cNvPr id="2" name="Образ слайда 1"/>
+          <p:cNvSpPr>
+            <a:spLocks noGrp="1" noRot="1" noChangeAspect="1"/>
+          </p:cNvSpPr>
+          <p:nvPr>
+            <p:ph type="sldImg"/>
+          </p:nvPr>
+        </p:nvSpPr>
+        <p:spPr/>
+      </p:sp>
+      <p:sp>
+        <p:nvSpPr>
+          <p:cNvPr id="3" name="Заметки 2"/>
+          <p:cNvSpPr>
+            <a:spLocks noGrp="1"/>
+          </p:cNvSpPr>
+          <p:nvPr>
+            <p:ph type="body" idx="1"/>
+          </p:nvPr>
+        </p:nvSpPr>
+        <p:spPr/>
+        <p:txBody>
+          <a:bodyPr>
+            <a:normAutofit/>
+          </a:bodyPr>
+          <a:lstStyle/>
+          <a:p>
+            <a:endParaRPr lang="ru-RU" dirty="0"/>
+          </a:p>
+        </p:txBody>
+      </p:sp>
+      <p:sp>
+        <p:nvSpPr>
+          <p:cNvPr id="4" name="Номер слайда 3"/>
+          <p:cNvSpPr>
+            <a:spLocks noGrp="1"/>
+          </p:cNvSpPr>
+          <p:nvPr>
+            <p:ph type="sldNum" sz="quarter" idx="10"/>
+          </p:nvPr>
+        </p:nvSpPr>
+        <p:spPr/>
+        <p:txBody>
+          <a:bodyPr/>
+          <a:lstStyle/>
+          <a:p>
+            <a:fld id="{B9C302D2-0296-4AEA-8A6D-C48187813113}" type="slidenum">
+              <a:rPr lang="ru-RU" smtClean="0"/>
+              <a:pPr/>
+              <a:t>23</a:t>
+            </a:fld>
+            <a:endParaRPr lang="ru-RU"/>
+          </a:p>
+        </p:txBody>
+      </p:sp>
+    </p:spTree>
+  </p:cSld>
+  <p:clrMapOvr>
+    <a:masterClrMapping/>
+  </p:clrMapOvr>
+</p:notes>
+</file>
+
+<file path=ppt/notesSlides/notesSlide18.xml><?xml version="1.0" encoding="utf-8"?>
+<p:notes xmlns:a="http://schemas.openxmlformats.org/drawingml/2006/main" xmlns:r="http://schemas.openxmlformats.org/officeDocument/2006/relationships" xmlns:p="http://schemas.openxmlformats.org/presentationml/2006/main">
+  <p:cSld>
+    <p:spTree>
+      <p:nvGrpSpPr>
+        <p:cNvPr id="1" name=""/>
+        <p:cNvGrpSpPr/>
+        <p:nvPr/>
+      </p:nvGrpSpPr>
+      <p:grpSpPr>
+        <a:xfrm>
+          <a:off x="0" y="0"/>
+          <a:ext cx="0" cy="0"/>
+          <a:chOff x="0" y="0"/>
+          <a:chExt cx="0" cy="0"/>
+        </a:xfrm>
+      </p:grpSpPr>
+      <p:sp>
+        <p:nvSpPr>
+          <p:cNvPr id="2" name="Образ слайда 1"/>
+          <p:cNvSpPr>
+            <a:spLocks noGrp="1" noRot="1" noChangeAspect="1"/>
+          </p:cNvSpPr>
+          <p:nvPr>
+            <p:ph type="sldImg"/>
+          </p:nvPr>
+        </p:nvSpPr>
+        <p:spPr/>
+      </p:sp>
+      <p:sp>
+        <p:nvSpPr>
+          <p:cNvPr id="3" name="Заметки 2"/>
+          <p:cNvSpPr>
+            <a:spLocks noGrp="1"/>
+          </p:cNvSpPr>
+          <p:nvPr>
+            <p:ph type="body" idx="1"/>
+          </p:nvPr>
+        </p:nvSpPr>
+        <p:spPr/>
+        <p:txBody>
+          <a:bodyPr>
+            <a:normAutofit/>
+          </a:bodyPr>
+          <a:lstStyle/>
+          <a:p>
+            <a:endParaRPr lang="ru-RU" dirty="0"/>
+          </a:p>
+        </p:txBody>
+      </p:sp>
+      <p:sp>
+        <p:nvSpPr>
+          <p:cNvPr id="4" name="Номер слайда 3"/>
+          <p:cNvSpPr>
+            <a:spLocks noGrp="1"/>
+          </p:cNvSpPr>
+          <p:nvPr>
+            <p:ph type="sldNum" sz="quarter" idx="10"/>
+          </p:nvPr>
+        </p:nvSpPr>
+        <p:spPr/>
+        <p:txBody>
+          <a:bodyPr/>
+          <a:lstStyle/>
+          <a:p>
+            <a:fld id="{B9C302D2-0296-4AEA-8A6D-C48187813113}" type="slidenum">
+              <a:rPr lang="ru-RU" smtClean="0"/>
+              <a:pPr/>
+              <a:t>24</a:t>
+            </a:fld>
+            <a:endParaRPr lang="ru-RU"/>
+          </a:p>
+        </p:txBody>
+      </p:sp>
+    </p:spTree>
+  </p:cSld>
+  <p:clrMapOvr>
+    <a:masterClrMapping/>
+  </p:clrMapOvr>
+</p:notes>
+</file>
+
+<file path=ppt/notesSlides/notesSlide19.xml><?xml version="1.0" encoding="utf-8"?>
+<p:notes xmlns:a="http://schemas.openxmlformats.org/drawingml/2006/main" xmlns:r="http://schemas.openxmlformats.org/officeDocument/2006/relationships" xmlns:p="http://schemas.openxmlformats.org/presentationml/2006/main">
+  <p:cSld>
+    <p:spTree>
+      <p:nvGrpSpPr>
+        <p:cNvPr id="1" name=""/>
+        <p:cNvGrpSpPr/>
+        <p:nvPr/>
+      </p:nvGrpSpPr>
+      <p:grpSpPr>
+        <a:xfrm>
+          <a:off x="0" y="0"/>
+          <a:ext cx="0" cy="0"/>
+          <a:chOff x="0" y="0"/>
+          <a:chExt cx="0" cy="0"/>
+        </a:xfrm>
+      </p:grpSpPr>
+      <p:sp>
+        <p:nvSpPr>
+          <p:cNvPr id="2" name="Образ слайда 1"/>
+          <p:cNvSpPr>
+            <a:spLocks noGrp="1" noRot="1" noChangeAspect="1"/>
+          </p:cNvSpPr>
+          <p:nvPr>
+            <p:ph type="sldImg"/>
+          </p:nvPr>
+        </p:nvSpPr>
+        <p:spPr/>
+      </p:sp>
+      <p:sp>
+        <p:nvSpPr>
+          <p:cNvPr id="3" name="Заметки 2"/>
+          <p:cNvSpPr>
+            <a:spLocks noGrp="1"/>
+          </p:cNvSpPr>
+          <p:nvPr>
+            <p:ph type="body" idx="1"/>
+          </p:nvPr>
+        </p:nvSpPr>
+        <p:spPr/>
+        <p:txBody>
+          <a:bodyPr>
+            <a:normAutofit/>
+          </a:bodyPr>
+          <a:lstStyle/>
+          <a:p>
+            <a:endParaRPr lang="ru-RU" dirty="0"/>
+          </a:p>
+        </p:txBody>
+      </p:sp>
+      <p:sp>
+        <p:nvSpPr>
+          <p:cNvPr id="4" name="Номер слайда 3"/>
+          <p:cNvSpPr>
+            <a:spLocks noGrp="1"/>
+          </p:cNvSpPr>
+          <p:nvPr>
+            <p:ph type="sldNum" sz="quarter" idx="10"/>
+          </p:nvPr>
+        </p:nvSpPr>
+        <p:spPr/>
+        <p:txBody>
+          <a:bodyPr/>
+          <a:lstStyle/>
+          <a:p>
+            <a:fld id="{B9C302D2-0296-4AEA-8A6D-C48187813113}" type="slidenum">
+              <a:rPr lang="ru-RU" smtClean="0"/>
+              <a:pPr/>
+              <a:t>25</a:t>
+            </a:fld>
+            <a:endParaRPr lang="ru-RU"/>
+          </a:p>
+        </p:txBody>
+      </p:sp>
+    </p:spTree>
+  </p:cSld>
+  <p:clrMapOvr>
+    <a:masterClrMapping/>
+  </p:clrMapOvr>
+</p:notes>
+</file>
+
+<file path=ppt/notesSlides/notesSlide2.xml><?xml version="1.0" encoding="utf-8"?>
+<p:notes xmlns:a="http://schemas.openxmlformats.org/drawingml/2006/main" xmlns:r="http://schemas.openxmlformats.org/officeDocument/2006/relationships" xmlns:p="http://schemas.openxmlformats.org/presentationml/2006/main">
+  <p:cSld>
+    <p:spTree>
+      <p:nvGrpSpPr>
+        <p:cNvPr id="1" name=""/>
+        <p:cNvGrpSpPr/>
+        <p:nvPr/>
+      </p:nvGrpSpPr>
+      <p:grpSpPr>
+        <a:xfrm>
+          <a:off x="0" y="0"/>
+          <a:ext cx="0" cy="0"/>
+          <a:chOff x="0" y="0"/>
+          <a:chExt cx="0" cy="0"/>
+        </a:xfrm>
+      </p:grpSpPr>
+      <p:sp>
+        <p:nvSpPr>
+          <p:cNvPr id="2" name="Образ слайда 1"/>
+          <p:cNvSpPr>
+            <a:spLocks noGrp="1" noRot="1" noChangeAspect="1"/>
+          </p:cNvSpPr>
+          <p:nvPr>
+            <p:ph type="sldImg"/>
+          </p:nvPr>
+        </p:nvSpPr>
+        <p:spPr/>
+      </p:sp>
+      <p:sp>
+        <p:nvSpPr>
+          <p:cNvPr id="3" name="Заметки 2"/>
+          <p:cNvSpPr>
+            <a:spLocks noGrp="1"/>
+          </p:cNvSpPr>
+          <p:nvPr>
+            <p:ph type="body" idx="1"/>
+          </p:nvPr>
+        </p:nvSpPr>
+        <p:spPr/>
+        <p:txBody>
+          <a:bodyPr>
+            <a:normAutofit/>
+          </a:bodyPr>
+          <a:lstStyle/>
+          <a:p>
+            <a:endParaRPr lang="ru-RU" dirty="0"/>
+          </a:p>
+        </p:txBody>
+      </p:sp>
+      <p:sp>
+        <p:nvSpPr>
+          <p:cNvPr id="4" name="Номер слайда 3"/>
+          <p:cNvSpPr>
+            <a:spLocks noGrp="1"/>
+          </p:cNvSpPr>
+          <p:nvPr>
+            <p:ph type="sldNum" sz="quarter" idx="10"/>
+          </p:nvPr>
+        </p:nvSpPr>
+        <p:spPr/>
+        <p:txBody>
+          <a:bodyPr/>
+          <a:lstStyle/>
+          <a:p>
+            <a:fld id="{B9C302D2-0296-4AEA-8A6D-C48187813113}" type="slidenum">
+              <a:rPr lang="ru-RU" smtClean="0"/>
+              <a:pPr/>
+              <a:t>5</a:t>
+            </a:fld>
+            <a:endParaRPr lang="ru-RU"/>
+          </a:p>
+        </p:txBody>
+      </p:sp>
+    </p:spTree>
+  </p:cSld>
+  <p:clrMapOvr>
+    <a:masterClrMapping/>
+  </p:clrMapOvr>
+</p:notes>
+</file>
+
+<file path=ppt/notesSlides/notesSlide20.xml><?xml version="1.0" encoding="utf-8"?>
+<p:notes xmlns:a="http://schemas.openxmlformats.org/drawingml/2006/main" xmlns:r="http://schemas.openxmlformats.org/officeDocument/2006/relationships" xmlns:p="http://schemas.openxmlformats.org/presentationml/2006/main">
+  <p:cSld>
+    <p:spTree>
+      <p:nvGrpSpPr>
+        <p:cNvPr id="1" name=""/>
+        <p:cNvGrpSpPr/>
+        <p:nvPr/>
+      </p:nvGrpSpPr>
+      <p:grpSpPr>
+        <a:xfrm>
+          <a:off x="0" y="0"/>
+          <a:ext cx="0" cy="0"/>
+          <a:chOff x="0" y="0"/>
+          <a:chExt cx="0" cy="0"/>
+        </a:xfrm>
+      </p:grpSpPr>
+      <p:sp>
+        <p:nvSpPr>
+          <p:cNvPr id="2" name="Образ слайда 1"/>
+          <p:cNvSpPr>
+            <a:spLocks noGrp="1" noRot="1" noChangeAspect="1"/>
+          </p:cNvSpPr>
+          <p:nvPr>
+            <p:ph type="sldImg"/>
+          </p:nvPr>
+        </p:nvSpPr>
+        <p:spPr/>
+      </p:sp>
+      <p:sp>
+        <p:nvSpPr>
+          <p:cNvPr id="3" name="Заметки 2"/>
+          <p:cNvSpPr>
+            <a:spLocks noGrp="1"/>
+          </p:cNvSpPr>
+          <p:nvPr>
+            <p:ph type="body" idx="1"/>
+          </p:nvPr>
+        </p:nvSpPr>
+        <p:spPr/>
+        <p:txBody>
+          <a:bodyPr>
+            <a:normAutofit/>
+          </a:bodyPr>
+          <a:lstStyle/>
+          <a:p>
+            <a:endParaRPr lang="ru-RU" dirty="0"/>
+          </a:p>
+        </p:txBody>
+      </p:sp>
+      <p:sp>
+        <p:nvSpPr>
+          <p:cNvPr id="4" name="Номер слайда 3"/>
+          <p:cNvSpPr>
+            <a:spLocks noGrp="1"/>
+          </p:cNvSpPr>
+          <p:nvPr>
+            <p:ph type="sldNum" sz="quarter" idx="10"/>
+          </p:nvPr>
+        </p:nvSpPr>
+        <p:spPr/>
+        <p:txBody>
+          <a:bodyPr/>
+          <a:lstStyle/>
+          <a:p>
+            <a:fld id="{B9C302D2-0296-4AEA-8A6D-C48187813113}" type="slidenum">
+              <a:rPr lang="ru-RU" smtClean="0"/>
+              <a:pPr/>
+              <a:t>26</a:t>
+            </a:fld>
+            <a:endParaRPr lang="ru-RU"/>
+          </a:p>
+        </p:txBody>
+      </p:sp>
+    </p:spTree>
+  </p:cSld>
+  <p:clrMapOvr>
+    <a:masterClrMapping/>
+  </p:clrMapOvr>
+</p:notes>
+</file>
+
+<file path=ppt/notesSlides/notesSlide21.xml><?xml version="1.0" encoding="utf-8"?>
+<p:notes xmlns:a="http://schemas.openxmlformats.org/drawingml/2006/main" xmlns:r="http://schemas.openxmlformats.org/officeDocument/2006/relationships" xmlns:p="http://schemas.openxmlformats.org/presentationml/2006/main">
+  <p:cSld>
+    <p:spTree>
+      <p:nvGrpSpPr>
+        <p:cNvPr id="1" name=""/>
+        <p:cNvGrpSpPr/>
+        <p:nvPr/>
+      </p:nvGrpSpPr>
+      <p:grpSpPr>
+        <a:xfrm>
+          <a:off x="0" y="0"/>
+          <a:ext cx="0" cy="0"/>
+          <a:chOff x="0" y="0"/>
+          <a:chExt cx="0" cy="0"/>
+        </a:xfrm>
+      </p:grpSpPr>
+      <p:sp>
+        <p:nvSpPr>
+          <p:cNvPr id="2" name="Образ слайда 1"/>
+          <p:cNvSpPr>
+            <a:spLocks noGrp="1" noRot="1" noChangeAspect="1"/>
+          </p:cNvSpPr>
+          <p:nvPr>
+            <p:ph type="sldImg"/>
+          </p:nvPr>
+        </p:nvSpPr>
+        <p:spPr/>
+      </p:sp>
+      <p:sp>
+        <p:nvSpPr>
+          <p:cNvPr id="3" name="Заметки 2"/>
+          <p:cNvSpPr>
+            <a:spLocks noGrp="1"/>
+          </p:cNvSpPr>
+          <p:nvPr>
+            <p:ph type="body" idx="1"/>
+          </p:nvPr>
+        </p:nvSpPr>
+        <p:spPr/>
+        <p:txBody>
+          <a:bodyPr>
+            <a:normAutofit/>
+          </a:bodyPr>
+          <a:lstStyle/>
+          <a:p>
+            <a:endParaRPr lang="ru-RU" dirty="0"/>
+          </a:p>
+        </p:txBody>
+      </p:sp>
+      <p:sp>
+        <p:nvSpPr>
+          <p:cNvPr id="4" name="Номер слайда 3"/>
+          <p:cNvSpPr>
+            <a:spLocks noGrp="1"/>
+          </p:cNvSpPr>
+          <p:nvPr>
+            <p:ph type="sldNum" sz="quarter" idx="10"/>
+          </p:nvPr>
+        </p:nvSpPr>
+        <p:spPr/>
+        <p:txBody>
+          <a:bodyPr/>
+          <a:lstStyle/>
+          <a:p>
+            <a:fld id="{B9C302D2-0296-4AEA-8A6D-C48187813113}" type="slidenum">
+              <a:rPr lang="ru-RU" smtClean="0"/>
+              <a:pPr/>
+              <a:t>27</a:t>
+            </a:fld>
+            <a:endParaRPr lang="ru-RU"/>
+          </a:p>
+        </p:txBody>
+      </p:sp>
+    </p:spTree>
+  </p:cSld>
+  <p:clrMapOvr>
+    <a:masterClrMapping/>
+  </p:clrMapOvr>
+</p:notes>
+</file>
+
+<file path=ppt/notesSlides/notesSlide22.xml><?xml version="1.0" encoding="utf-8"?>
+<p:notes xmlns:a="http://schemas.openxmlformats.org/drawingml/2006/main" xmlns:r="http://schemas.openxmlformats.org/officeDocument/2006/relationships" xmlns:p="http://schemas.openxmlformats.org/presentationml/2006/main">
+  <p:cSld>
+    <p:spTree>
+      <p:nvGrpSpPr>
+        <p:cNvPr id="1" name=""/>
+        <p:cNvGrpSpPr/>
+        <p:nvPr/>
+      </p:nvGrpSpPr>
+      <p:grpSpPr>
+        <a:xfrm>
+          <a:off x="0" y="0"/>
+          <a:ext cx="0" cy="0"/>
+          <a:chOff x="0" y="0"/>
+          <a:chExt cx="0" cy="0"/>
+        </a:xfrm>
+      </p:grpSpPr>
+      <p:sp>
+        <p:nvSpPr>
+          <p:cNvPr id="2" name="Образ слайда 1"/>
+          <p:cNvSpPr>
+            <a:spLocks noGrp="1" noRot="1" noChangeAspect="1"/>
+          </p:cNvSpPr>
+          <p:nvPr>
+            <p:ph type="sldImg"/>
+          </p:nvPr>
+        </p:nvSpPr>
+        <p:spPr/>
+      </p:sp>
+      <p:sp>
+        <p:nvSpPr>
+          <p:cNvPr id="3" name="Заметки 2"/>
+          <p:cNvSpPr>
+            <a:spLocks noGrp="1"/>
+          </p:cNvSpPr>
+          <p:nvPr>
+            <p:ph type="body" idx="1"/>
+          </p:nvPr>
+        </p:nvSpPr>
+        <p:spPr/>
+        <p:txBody>
+          <a:bodyPr>
+            <a:normAutofit/>
+          </a:bodyPr>
+          <a:lstStyle/>
+          <a:p>
+            <a:endParaRPr lang="ru-RU" dirty="0"/>
+          </a:p>
+        </p:txBody>
+      </p:sp>
+      <p:sp>
+        <p:nvSpPr>
+          <p:cNvPr id="4" name="Номер слайда 3"/>
+          <p:cNvSpPr>
+            <a:spLocks noGrp="1"/>
+          </p:cNvSpPr>
+          <p:nvPr>
+            <p:ph type="sldNum" sz="quarter" idx="10"/>
+          </p:nvPr>
+        </p:nvSpPr>
+        <p:spPr/>
+        <p:txBody>
+          <a:bodyPr/>
+          <a:lstStyle/>
+          <a:p>
+            <a:fld id="{B9C302D2-0296-4AEA-8A6D-C48187813113}" type="slidenum">
+              <a:rPr lang="ru-RU" smtClean="0"/>
+              <a:pPr/>
+              <a:t>28</a:t>
+            </a:fld>
+            <a:endParaRPr lang="ru-RU"/>
+          </a:p>
+        </p:txBody>
+      </p:sp>
+    </p:spTree>
+  </p:cSld>
+  <p:clrMapOvr>
+    <a:masterClrMapping/>
+  </p:clrMapOvr>
+</p:notes>
+</file>
+
+<file path=ppt/notesSlides/notesSlide23.xml><?xml version="1.0" encoding="utf-8"?>
+<p:notes xmlns:a="http://schemas.openxmlformats.org/drawingml/2006/main" xmlns:r="http://schemas.openxmlformats.org/officeDocument/2006/relationships" xmlns:p="http://schemas.openxmlformats.org/presentationml/2006/main">
+  <p:cSld>
+    <p:spTree>
+      <p:nvGrpSpPr>
+        <p:cNvPr id="1" name=""/>
+        <p:cNvGrpSpPr/>
+        <p:nvPr/>
+      </p:nvGrpSpPr>
+      <p:grpSpPr>
+        <a:xfrm>
+          <a:off x="0" y="0"/>
+          <a:ext cx="0" cy="0"/>
+          <a:chOff x="0" y="0"/>
+          <a:chExt cx="0" cy="0"/>
+        </a:xfrm>
+      </p:grpSpPr>
+      <p:sp>
+        <p:nvSpPr>
+          <p:cNvPr id="2" name="Образ слайда 1"/>
+          <p:cNvSpPr>
+            <a:spLocks noGrp="1" noRot="1" noChangeAspect="1"/>
+          </p:cNvSpPr>
+          <p:nvPr>
+            <p:ph type="sldImg"/>
+          </p:nvPr>
+        </p:nvSpPr>
+        <p:spPr/>
+      </p:sp>
+      <p:sp>
+        <p:nvSpPr>
+          <p:cNvPr id="3" name="Заметки 2"/>
+          <p:cNvSpPr>
+            <a:spLocks noGrp="1"/>
+          </p:cNvSpPr>
+          <p:nvPr>
+            <p:ph type="body" idx="1"/>
+          </p:nvPr>
+        </p:nvSpPr>
+        <p:spPr/>
+        <p:txBody>
+          <a:bodyPr>
+            <a:normAutofit/>
+          </a:bodyPr>
+          <a:lstStyle/>
+          <a:p>
+            <a:endParaRPr lang="ru-RU" dirty="0"/>
+          </a:p>
+        </p:txBody>
+      </p:sp>
+      <p:sp>
+        <p:nvSpPr>
+          <p:cNvPr id="4" name="Номер слайда 3"/>
+          <p:cNvSpPr>
+            <a:spLocks noGrp="1"/>
+          </p:cNvSpPr>
+          <p:nvPr>
+            <p:ph type="sldNum" sz="quarter" idx="10"/>
+          </p:nvPr>
+        </p:nvSpPr>
+        <p:spPr/>
+        <p:txBody>
+          <a:bodyPr/>
+          <a:lstStyle/>
+          <a:p>
+            <a:fld id="{B9C302D2-0296-4AEA-8A6D-C48187813113}" type="slidenum">
+              <a:rPr lang="ru-RU" smtClean="0"/>
+              <a:pPr/>
+              <a:t>29</a:t>
+            </a:fld>
+            <a:endParaRPr lang="ru-RU"/>
+          </a:p>
+        </p:txBody>
+      </p:sp>
+    </p:spTree>
+  </p:cSld>
+  <p:clrMapOvr>
+    <a:masterClrMapping/>
+  </p:clrMapOvr>
+</p:notes>
+</file>
+
+<file path=ppt/notesSlides/notesSlide24.xml><?xml version="1.0" encoding="utf-8"?>
+<p:notes xmlns:a="http://schemas.openxmlformats.org/drawingml/2006/main" xmlns:r="http://schemas.openxmlformats.org/officeDocument/2006/relationships" xmlns:p="http://schemas.openxmlformats.org/presentationml/2006/main">
+  <p:cSld>
+    <p:spTree>
+      <p:nvGrpSpPr>
+        <p:cNvPr id="1" name=""/>
+        <p:cNvGrpSpPr/>
+        <p:nvPr/>
+      </p:nvGrpSpPr>
+      <p:grpSpPr>
+        <a:xfrm>
+          <a:off x="0" y="0"/>
+          <a:ext cx="0" cy="0"/>
+          <a:chOff x="0" y="0"/>
+          <a:chExt cx="0" cy="0"/>
+        </a:xfrm>
+      </p:grpSpPr>
+      <p:sp>
+        <p:nvSpPr>
+          <p:cNvPr id="2" name="Образ слайда 1"/>
+          <p:cNvSpPr>
+            <a:spLocks noGrp="1" noRot="1" noChangeAspect="1"/>
+          </p:cNvSpPr>
+          <p:nvPr>
+            <p:ph type="sldImg"/>
+          </p:nvPr>
+        </p:nvSpPr>
+        <p:spPr/>
+      </p:sp>
+      <p:sp>
+        <p:nvSpPr>
+          <p:cNvPr id="3" name="Заметки 2"/>
+          <p:cNvSpPr>
+            <a:spLocks noGrp="1"/>
+          </p:cNvSpPr>
+          <p:nvPr>
+            <p:ph type="body" idx="1"/>
+          </p:nvPr>
+        </p:nvSpPr>
+        <p:spPr/>
+        <p:txBody>
+          <a:bodyPr>
+            <a:normAutofit/>
+          </a:bodyPr>
+          <a:lstStyle/>
+          <a:p>
+            <a:endParaRPr lang="ru-RU" dirty="0"/>
+          </a:p>
+        </p:txBody>
+      </p:sp>
+      <p:sp>
+        <p:nvSpPr>
+          <p:cNvPr id="4" name="Номер слайда 3"/>
+          <p:cNvSpPr>
+            <a:spLocks noGrp="1"/>
+          </p:cNvSpPr>
+          <p:nvPr>
+            <p:ph type="sldNum" sz="quarter" idx="10"/>
+          </p:nvPr>
+        </p:nvSpPr>
+        <p:spPr/>
+        <p:txBody>
+          <a:bodyPr/>
+          <a:lstStyle/>
+          <a:p>
+            <a:fld id="{B9C302D2-0296-4AEA-8A6D-C48187813113}" type="slidenum">
+              <a:rPr lang="ru-RU" smtClean="0"/>
+              <a:pPr/>
+              <a:t>30</a:t>
+            </a:fld>
+            <a:endParaRPr lang="ru-RU"/>
+          </a:p>
+        </p:txBody>
+      </p:sp>
+    </p:spTree>
+  </p:cSld>
+  <p:clrMapOvr>
+    <a:masterClrMapping/>
+  </p:clrMapOvr>
+</p:notes>
+</file>
+
+<file path=ppt/notesSlides/notesSlide25.xml><?xml version="1.0" encoding="utf-8"?>
+<p:notes xmlns:a="http://schemas.openxmlformats.org/drawingml/2006/main" xmlns:r="http://schemas.openxmlformats.org/officeDocument/2006/relationships" xmlns:p="http://schemas.openxmlformats.org/presentationml/2006/main">
+  <p:cSld>
+    <p:spTree>
+      <p:nvGrpSpPr>
+        <p:cNvPr id="1" name=""/>
+        <p:cNvGrpSpPr/>
+        <p:nvPr/>
+      </p:nvGrpSpPr>
+      <p:grpSpPr>
+        <a:xfrm>
+          <a:off x="0" y="0"/>
+          <a:ext cx="0" cy="0"/>
+          <a:chOff x="0" y="0"/>
+          <a:chExt cx="0" cy="0"/>
+        </a:xfrm>
+      </p:grpSpPr>
+      <p:sp>
+        <p:nvSpPr>
+          <p:cNvPr id="2" name="Образ слайда 1"/>
+          <p:cNvSpPr>
+            <a:spLocks noGrp="1" noRot="1" noChangeAspect="1"/>
+          </p:cNvSpPr>
+          <p:nvPr>
+            <p:ph type="sldImg"/>
+          </p:nvPr>
+        </p:nvSpPr>
+        <p:spPr/>
+      </p:sp>
+      <p:sp>
+        <p:nvSpPr>
+          <p:cNvPr id="3" name="Заметки 2"/>
+          <p:cNvSpPr>
+            <a:spLocks noGrp="1"/>
+          </p:cNvSpPr>
+          <p:nvPr>
+            <p:ph type="body" idx="1"/>
+          </p:nvPr>
+        </p:nvSpPr>
+        <p:spPr/>
+        <p:txBody>
+          <a:bodyPr>
+            <a:normAutofit/>
+          </a:bodyPr>
+          <a:lstStyle/>
+          <a:p>
+            <a:endParaRPr lang="ru-RU" dirty="0"/>
+          </a:p>
+        </p:txBody>
+      </p:sp>
+      <p:sp>
+        <p:nvSpPr>
+          <p:cNvPr id="4" name="Номер слайда 3"/>
+          <p:cNvSpPr>
+            <a:spLocks noGrp="1"/>
+          </p:cNvSpPr>
+          <p:nvPr>
+            <p:ph type="sldNum" sz="quarter" idx="10"/>
+          </p:nvPr>
+        </p:nvSpPr>
+        <p:spPr/>
+        <p:txBody>
+          <a:bodyPr/>
+          <a:lstStyle/>
+          <a:p>
+            <a:fld id="{B9C302D2-0296-4AEA-8A6D-C48187813113}" type="slidenum">
+              <a:rPr lang="ru-RU" smtClean="0"/>
+              <a:pPr/>
+              <a:t>31</a:t>
+            </a:fld>
+            <a:endParaRPr lang="ru-RU"/>
+          </a:p>
+        </p:txBody>
+      </p:sp>
+    </p:spTree>
+  </p:cSld>
+  <p:clrMapOvr>
+    <a:masterClrMapping/>
+  </p:clrMapOvr>
+</p:notes>
+</file>
+
+<file path=ppt/notesSlides/notesSlide26.xml><?xml version="1.0" encoding="utf-8"?>
+<p:notes xmlns:a="http://schemas.openxmlformats.org/drawingml/2006/main" xmlns:r="http://schemas.openxmlformats.org/officeDocument/2006/relationships" xmlns:p="http://schemas.openxmlformats.org/presentationml/2006/main">
+  <p:cSld>
+    <p:spTree>
+      <p:nvGrpSpPr>
+        <p:cNvPr id="1" name=""/>
+        <p:cNvGrpSpPr/>
+        <p:nvPr/>
+      </p:nvGrpSpPr>
+      <p:grpSpPr>
+        <a:xfrm>
+          <a:off x="0" y="0"/>
+          <a:ext cx="0" cy="0"/>
+          <a:chOff x="0" y="0"/>
+          <a:chExt cx="0" cy="0"/>
+        </a:xfrm>
+      </p:grpSpPr>
+      <p:sp>
+        <p:nvSpPr>
+          <p:cNvPr id="2" name="Образ слайда 1"/>
+          <p:cNvSpPr>
+            <a:spLocks noGrp="1" noRot="1" noChangeAspect="1"/>
+          </p:cNvSpPr>
+          <p:nvPr>
+            <p:ph type="sldImg"/>
+          </p:nvPr>
+        </p:nvSpPr>
+        <p:spPr/>
+      </p:sp>
+      <p:sp>
+        <p:nvSpPr>
+          <p:cNvPr id="3" name="Заметки 2"/>
+          <p:cNvSpPr>
+            <a:spLocks noGrp="1"/>
+          </p:cNvSpPr>
+          <p:nvPr>
+            <p:ph type="body" idx="1"/>
+          </p:nvPr>
+        </p:nvSpPr>
+        <p:spPr/>
+        <p:txBody>
+          <a:bodyPr>
+            <a:normAutofit/>
+          </a:bodyPr>
+          <a:lstStyle/>
+          <a:p>
+            <a:endParaRPr lang="ru-RU" dirty="0"/>
+          </a:p>
+        </p:txBody>
+      </p:sp>
+      <p:sp>
+        <p:nvSpPr>
+          <p:cNvPr id="4" name="Номер слайда 3"/>
+          <p:cNvSpPr>
+            <a:spLocks noGrp="1"/>
+          </p:cNvSpPr>
+          <p:nvPr>
+            <p:ph type="sldNum" sz="quarter" idx="10"/>
+          </p:nvPr>
+        </p:nvSpPr>
+        <p:spPr/>
+        <p:txBody>
+          <a:bodyPr/>
+          <a:lstStyle/>
+          <a:p>
+            <a:fld id="{B9C302D2-0296-4AEA-8A6D-C48187813113}" type="slidenum">
+              <a:rPr lang="ru-RU" smtClean="0"/>
+              <a:pPr/>
+              <a:t>32</a:t>
+            </a:fld>
+            <a:endParaRPr lang="ru-RU"/>
+          </a:p>
+        </p:txBody>
+      </p:sp>
+    </p:spTree>
+  </p:cSld>
+  <p:clrMapOvr>
+    <a:masterClrMapping/>
+  </p:clrMapOvr>
+</p:notes>
+</file>
+
+<file path=ppt/notesSlides/notesSlide27.xml><?xml version="1.0" encoding="utf-8"?>
+<p:notes xmlns:a="http://schemas.openxmlformats.org/drawingml/2006/main" xmlns:r="http://schemas.openxmlformats.org/officeDocument/2006/relationships" xmlns:p="http://schemas.openxmlformats.org/presentationml/2006/main">
+  <p:cSld>
+    <p:spTree>
+      <p:nvGrpSpPr>
+        <p:cNvPr id="1" name=""/>
+        <p:cNvGrpSpPr/>
+        <p:nvPr/>
+      </p:nvGrpSpPr>
+      <p:grpSpPr>
+        <a:xfrm>
+          <a:off x="0" y="0"/>
+          <a:ext cx="0" cy="0"/>
+          <a:chOff x="0" y="0"/>
+          <a:chExt cx="0" cy="0"/>
+        </a:xfrm>
+      </p:grpSpPr>
+      <p:sp>
+        <p:nvSpPr>
+          <p:cNvPr id="2" name="Образ слайда 1"/>
+          <p:cNvSpPr>
+            <a:spLocks noGrp="1" noRot="1" noChangeAspect="1"/>
+          </p:cNvSpPr>
+          <p:nvPr>
+            <p:ph type="sldImg"/>
+          </p:nvPr>
+        </p:nvSpPr>
+        <p:spPr/>
+      </p:sp>
+      <p:sp>
+        <p:nvSpPr>
+          <p:cNvPr id="3" name="Заметки 2"/>
+          <p:cNvSpPr>
+            <a:spLocks noGrp="1"/>
+          </p:cNvSpPr>
+          <p:nvPr>
+            <p:ph type="body" idx="1"/>
+          </p:nvPr>
+        </p:nvSpPr>
+        <p:spPr/>
+        <p:txBody>
+          <a:bodyPr>
+            <a:normAutofit/>
+          </a:bodyPr>
+          <a:lstStyle/>
+          <a:p>
+            <a:endParaRPr lang="ru-RU" dirty="0"/>
+          </a:p>
+        </p:txBody>
+      </p:sp>
+      <p:sp>
+        <p:nvSpPr>
+          <p:cNvPr id="4" name="Номер слайда 3"/>
+          <p:cNvSpPr>
+            <a:spLocks noGrp="1"/>
+          </p:cNvSpPr>
+          <p:nvPr>
+            <p:ph type="sldNum" sz="quarter" idx="10"/>
+          </p:nvPr>
+        </p:nvSpPr>
+        <p:spPr/>
+        <p:txBody>
+          <a:bodyPr/>
+          <a:lstStyle/>
+          <a:p>
+            <a:fld id="{B9C302D2-0296-4AEA-8A6D-C48187813113}" type="slidenum">
+              <a:rPr lang="ru-RU" smtClean="0"/>
+              <a:pPr/>
+              <a:t>33</a:t>
+            </a:fld>
+            <a:endParaRPr lang="ru-RU"/>
+          </a:p>
+        </p:txBody>
+      </p:sp>
+    </p:spTree>
+  </p:cSld>
+  <p:clrMapOvr>
+    <a:masterClrMapping/>
+  </p:clrMapOvr>
+</p:notes>
+</file>
+
+<file path=ppt/notesSlides/notesSlide3.xml><?xml version="1.0" encoding="utf-8"?>
+<p:notes xmlns:a="http://schemas.openxmlformats.org/drawingml/2006/main" xmlns:r="http://schemas.openxmlformats.org/officeDocument/2006/relationships" xmlns:p="http://schemas.openxmlformats.org/presentationml/2006/main">
+  <p:cSld>
+    <p:spTree>
+      <p:nvGrpSpPr>
+        <p:cNvPr id="1" name=""/>
+        <p:cNvGrpSpPr/>
+        <p:nvPr/>
+      </p:nvGrpSpPr>
+      <p:grpSpPr>
+        <a:xfrm>
+          <a:off x="0" y="0"/>
+          <a:ext cx="0" cy="0"/>
+          <a:chOff x="0" y="0"/>
+          <a:chExt cx="0" cy="0"/>
+        </a:xfrm>
+      </p:grpSpPr>
+      <p:sp>
+        <p:nvSpPr>
+          <p:cNvPr id="2" name="Образ слайда 1"/>
+          <p:cNvSpPr>
+            <a:spLocks noGrp="1" noRot="1" noChangeAspect="1"/>
+          </p:cNvSpPr>
+          <p:nvPr>
+            <p:ph type="sldImg"/>
+          </p:nvPr>
+        </p:nvSpPr>
+        <p:spPr/>
+      </p:sp>
+      <p:sp>
+        <p:nvSpPr>
+          <p:cNvPr id="3" name="Заметки 2"/>
+          <p:cNvSpPr>
+            <a:spLocks noGrp="1"/>
+          </p:cNvSpPr>
+          <p:nvPr>
+            <p:ph type="body" idx="1"/>
+          </p:nvPr>
+        </p:nvSpPr>
+        <p:spPr/>
+        <p:txBody>
+          <a:bodyPr>
+            <a:normAutofit/>
+          </a:bodyPr>
+          <a:lstStyle/>
+          <a:p>
+            <a:endParaRPr lang="ru-RU" dirty="0"/>
+          </a:p>
+        </p:txBody>
+      </p:sp>
+      <p:sp>
+        <p:nvSpPr>
+          <p:cNvPr id="4" name="Номер слайда 3"/>
+          <p:cNvSpPr>
+            <a:spLocks noGrp="1"/>
+          </p:cNvSpPr>
+          <p:nvPr>
+            <p:ph type="sldNum" sz="quarter" idx="10"/>
+          </p:nvPr>
+        </p:nvSpPr>
+        <p:spPr/>
+        <p:txBody>
+          <a:bodyPr/>
+          <a:lstStyle/>
+          <a:p>
+            <a:fld id="{B9C302D2-0296-4AEA-8A6D-C48187813113}" type="slidenum">
+              <a:rPr lang="ru-RU" smtClean="0"/>
+              <a:pPr/>
+              <a:t>6</a:t>
+            </a:fld>
+            <a:endParaRPr lang="ru-RU"/>
+          </a:p>
+        </p:txBody>
+      </p:sp>
+    </p:spTree>
+  </p:cSld>
+  <p:clrMapOvr>
+    <a:masterClrMapping/>
+  </p:clrMapOvr>
+</p:notes>
+</file>
+
+<file path=ppt/notesSlides/notesSlide4.xml><?xml version="1.0" encoding="utf-8"?>
+<p:notes xmlns:a="http://schemas.openxmlformats.org/drawingml/2006/main" xmlns:r="http://schemas.openxmlformats.org/officeDocument/2006/relationships" xmlns:p="http://schemas.openxmlformats.org/presentationml/2006/main">
+  <p:cSld>
+    <p:spTree>
+      <p:nvGrpSpPr>
+        <p:cNvPr id="1" name=""/>
+        <p:cNvGrpSpPr/>
+        <p:nvPr/>
+      </p:nvGrpSpPr>
+      <p:grpSpPr>
+        <a:xfrm>
+          <a:off x="0" y="0"/>
+          <a:ext cx="0" cy="0"/>
+          <a:chOff x="0" y="0"/>
+          <a:chExt cx="0" cy="0"/>
+        </a:xfrm>
+      </p:grpSpPr>
+      <p:sp>
+        <p:nvSpPr>
+          <p:cNvPr id="2" name="Образ слайда 1"/>
+          <p:cNvSpPr>
+            <a:spLocks noGrp="1" noRot="1" noChangeAspect="1"/>
+          </p:cNvSpPr>
+          <p:nvPr>
+            <p:ph type="sldImg"/>
+          </p:nvPr>
+        </p:nvSpPr>
+        <p:spPr/>
+      </p:sp>
+      <p:sp>
+        <p:nvSpPr>
+          <p:cNvPr id="3" name="Заметки 2"/>
+          <p:cNvSpPr>
+            <a:spLocks noGrp="1"/>
+          </p:cNvSpPr>
+          <p:nvPr>
+            <p:ph type="body" idx="1"/>
+          </p:nvPr>
+        </p:nvSpPr>
+        <p:spPr/>
+        <p:txBody>
+          <a:bodyPr>
+            <a:normAutofit/>
+          </a:bodyPr>
+          <a:lstStyle/>
+          <a:p>
+            <a:endParaRPr lang="ru-RU" dirty="0"/>
+          </a:p>
+        </p:txBody>
+      </p:sp>
+      <p:sp>
+        <p:nvSpPr>
+          <p:cNvPr id="4" name="Номер слайда 3"/>
+          <p:cNvSpPr>
+            <a:spLocks noGrp="1"/>
+          </p:cNvSpPr>
+          <p:nvPr>
+            <p:ph type="sldNum" sz="quarter" idx="10"/>
+          </p:nvPr>
+        </p:nvSpPr>
+        <p:spPr/>
+        <p:txBody>
+          <a:bodyPr/>
+          <a:lstStyle/>
+          <a:p>
+            <a:fld id="{B9C302D2-0296-4AEA-8A6D-C48187813113}" type="slidenum">
+              <a:rPr lang="ru-RU" smtClean="0"/>
+              <a:pPr/>
+              <a:t>7</a:t>
+            </a:fld>
+            <a:endParaRPr lang="ru-RU"/>
+          </a:p>
+        </p:txBody>
+      </p:sp>
+    </p:spTree>
+  </p:cSld>
+  <p:clrMapOvr>
+    <a:masterClrMapping/>
+  </p:clrMapOvr>
+</p:notes>
+</file>
+
+<file path=ppt/notesSlides/notesSlide5.xml><?xml version="1.0" encoding="utf-8"?>
+<p:notes xmlns:a="http://schemas.openxmlformats.org/drawingml/2006/main" xmlns:r="http://schemas.openxmlformats.org/officeDocument/2006/relationships" xmlns:p="http://schemas.openxmlformats.org/presentationml/2006/main">
+  <p:cSld>
+    <p:spTree>
+      <p:nvGrpSpPr>
+        <p:cNvPr id="1" name=""/>
+        <p:cNvGrpSpPr/>
+        <p:nvPr/>
+      </p:nvGrpSpPr>
+      <p:grpSpPr>
+        <a:xfrm>
+          <a:off x="0" y="0"/>
+          <a:ext cx="0" cy="0"/>
+          <a:chOff x="0" y="0"/>
+          <a:chExt cx="0" cy="0"/>
+        </a:xfrm>
+      </p:grpSpPr>
+      <p:sp>
+        <p:nvSpPr>
+          <p:cNvPr id="2" name="Образ слайда 1"/>
+          <p:cNvSpPr>
+            <a:spLocks noGrp="1" noRot="1" noChangeAspect="1"/>
+          </p:cNvSpPr>
+          <p:nvPr>
+            <p:ph type="sldImg"/>
+          </p:nvPr>
+        </p:nvSpPr>
+        <p:spPr/>
+      </p:sp>
+      <p:sp>
+        <p:nvSpPr>
+          <p:cNvPr id="3" name="Заметки 2"/>
+          <p:cNvSpPr>
+            <a:spLocks noGrp="1"/>
+          </p:cNvSpPr>
+          <p:nvPr>
+            <p:ph type="body" idx="1"/>
+          </p:nvPr>
+        </p:nvSpPr>
+        <p:spPr/>
+        <p:txBody>
+          <a:bodyPr>
+            <a:normAutofit/>
+          </a:bodyPr>
+          <a:lstStyle/>
+          <a:p>
+            <a:endParaRPr lang="ru-RU" dirty="0"/>
+          </a:p>
+        </p:txBody>
+      </p:sp>
+      <p:sp>
+        <p:nvSpPr>
+          <p:cNvPr id="4" name="Номер слайда 3"/>
+          <p:cNvSpPr>
+            <a:spLocks noGrp="1"/>
+          </p:cNvSpPr>
+          <p:nvPr>
+            <p:ph type="sldNum" sz="quarter" idx="10"/>
+          </p:nvPr>
+        </p:nvSpPr>
+        <p:spPr/>
+        <p:txBody>
+          <a:bodyPr/>
+          <a:lstStyle/>
+          <a:p>
+            <a:fld id="{B9C302D2-0296-4AEA-8A6D-C48187813113}" type="slidenum">
+              <a:rPr lang="ru-RU" smtClean="0"/>
+              <a:pPr/>
+              <a:t>8</a:t>
+            </a:fld>
+            <a:endParaRPr lang="ru-RU"/>
+          </a:p>
+        </p:txBody>
+      </p:sp>
+    </p:spTree>
+  </p:cSld>
+  <p:clrMapOvr>
+    <a:masterClrMapping/>
+  </p:clrMapOvr>
+</p:notes>
+</file>
+
+<file path=ppt/notesSlides/notesSlide6.xml><?xml version="1.0" encoding="utf-8"?>
+<p:notes xmlns:a="http://schemas.openxmlformats.org/drawingml/2006/main" xmlns:r="http://schemas.openxmlformats.org/officeDocument/2006/relationships" xmlns:p="http://schemas.openxmlformats.org/presentationml/2006/main">
+  <p:cSld>
+    <p:spTree>
+      <p:nvGrpSpPr>
+        <p:cNvPr id="1" name=""/>
+        <p:cNvGrpSpPr/>
+        <p:nvPr/>
+      </p:nvGrpSpPr>
+      <p:grpSpPr>
+        <a:xfrm>
+          <a:off x="0" y="0"/>
+          <a:ext cx="0" cy="0"/>
+          <a:chOff x="0" y="0"/>
+          <a:chExt cx="0" cy="0"/>
+        </a:xfrm>
+      </p:grpSpPr>
+      <p:sp>
+        <p:nvSpPr>
+          <p:cNvPr id="2" name="Образ слайда 1"/>
+          <p:cNvSpPr>
+            <a:spLocks noGrp="1" noRot="1" noChangeAspect="1"/>
+          </p:cNvSpPr>
+          <p:nvPr>
+            <p:ph type="sldImg"/>
+          </p:nvPr>
+        </p:nvSpPr>
+        <p:spPr/>
+      </p:sp>
+      <p:sp>
+        <p:nvSpPr>
+          <p:cNvPr id="3" name="Заметки 2"/>
+          <p:cNvSpPr>
+            <a:spLocks noGrp="1"/>
+          </p:cNvSpPr>
+          <p:nvPr>
+            <p:ph type="body" idx="1"/>
+          </p:nvPr>
+        </p:nvSpPr>
+        <p:spPr/>
+        <p:txBody>
+          <a:bodyPr>
+            <a:normAutofit/>
+          </a:bodyPr>
+          <a:lstStyle/>
+          <a:p>
+            <a:endParaRPr lang="ru-RU" dirty="0"/>
+          </a:p>
+        </p:txBody>
+      </p:sp>
+      <p:sp>
+        <p:nvSpPr>
+          <p:cNvPr id="4" name="Номер слайда 3"/>
+          <p:cNvSpPr>
+            <a:spLocks noGrp="1"/>
+          </p:cNvSpPr>
+          <p:nvPr>
+            <p:ph type="sldNum" sz="quarter" idx="10"/>
+          </p:nvPr>
+        </p:nvSpPr>
+        <p:spPr/>
+        <p:txBody>
+          <a:bodyPr/>
+          <a:lstStyle/>
+          <a:p>
+            <a:fld id="{B9C302D2-0296-4AEA-8A6D-C48187813113}" type="slidenum">
+              <a:rPr lang="ru-RU" smtClean="0"/>
+              <a:pPr/>
+              <a:t>9</a:t>
+            </a:fld>
+            <a:endParaRPr lang="ru-RU"/>
+          </a:p>
+        </p:txBody>
+      </p:sp>
+    </p:spTree>
+  </p:cSld>
+  <p:clrMapOvr>
+    <a:masterClrMapping/>
+  </p:clrMapOvr>
+</p:notes>
+</file>
+
+<file path=ppt/notesSlides/notesSlide7.xml><?xml version="1.0" encoding="utf-8"?>
+<p:notes xmlns:a="http://schemas.openxmlformats.org/drawingml/2006/main" xmlns:r="http://schemas.openxmlformats.org/officeDocument/2006/relationships" xmlns:p="http://schemas.openxmlformats.org/presentationml/2006/main">
+  <p:cSld>
+    <p:spTree>
+      <p:nvGrpSpPr>
+        <p:cNvPr id="1" name=""/>
+        <p:cNvGrpSpPr/>
+        <p:nvPr/>
+      </p:nvGrpSpPr>
+      <p:grpSpPr>
+        <a:xfrm>
+          <a:off x="0" y="0"/>
+          <a:ext cx="0" cy="0"/>
+          <a:chOff x="0" y="0"/>
+          <a:chExt cx="0" cy="0"/>
+        </a:xfrm>
+      </p:grpSpPr>
+      <p:sp>
+        <p:nvSpPr>
+          <p:cNvPr id="2" name="Образ слайда 1"/>
+          <p:cNvSpPr>
+            <a:spLocks noGrp="1" noRot="1" noChangeAspect="1"/>
+          </p:cNvSpPr>
+          <p:nvPr>
+            <p:ph type="sldImg"/>
+          </p:nvPr>
+        </p:nvSpPr>
+        <p:spPr/>
+      </p:sp>
+      <p:sp>
+        <p:nvSpPr>
+          <p:cNvPr id="3" name="Заметки 2"/>
+          <p:cNvSpPr>
+            <a:spLocks noGrp="1"/>
+          </p:cNvSpPr>
+          <p:nvPr>
+            <p:ph type="body" idx="1"/>
+          </p:nvPr>
+        </p:nvSpPr>
+        <p:spPr/>
+        <p:txBody>
+          <a:bodyPr>
+            <a:normAutofit/>
+          </a:bodyPr>
+          <a:lstStyle/>
+          <a:p>
+            <a:endParaRPr lang="ru-RU" dirty="0"/>
+          </a:p>
+        </p:txBody>
+      </p:sp>
+      <p:sp>
+        <p:nvSpPr>
+          <p:cNvPr id="4" name="Номер слайда 3"/>
+          <p:cNvSpPr>
+            <a:spLocks noGrp="1"/>
+          </p:cNvSpPr>
+          <p:nvPr>
+            <p:ph type="sldNum" sz="quarter" idx="10"/>
+          </p:nvPr>
+        </p:nvSpPr>
+        <p:spPr/>
+        <p:txBody>
+          <a:bodyPr/>
+          <a:lstStyle/>
+          <a:p>
+            <a:fld id="{B9C302D2-0296-4AEA-8A6D-C48187813113}" type="slidenum">
+              <a:rPr lang="ru-RU" smtClean="0"/>
+              <a:pPr/>
+              <a:t>10</a:t>
+            </a:fld>
+            <a:endParaRPr lang="ru-RU"/>
+          </a:p>
+        </p:txBody>
+      </p:sp>
+    </p:spTree>
+  </p:cSld>
+  <p:clrMapOvr>
+    <a:masterClrMapping/>
+  </p:clrMapOvr>
+</p:notes>
+</file>
+
+<file path=ppt/notesSlides/notesSlide8.xml><?xml version="1.0" encoding="utf-8"?>
+<p:notes xmlns:a="http://schemas.openxmlformats.org/drawingml/2006/main" xmlns:r="http://schemas.openxmlformats.org/officeDocument/2006/relationships" xmlns:p="http://schemas.openxmlformats.org/presentationml/2006/main">
+  <p:cSld>
+    <p:spTree>
+      <p:nvGrpSpPr>
+        <p:cNvPr id="1" name=""/>
+        <p:cNvGrpSpPr/>
+        <p:nvPr/>
+      </p:nvGrpSpPr>
+      <p:grpSpPr>
+        <a:xfrm>
+          <a:off x="0" y="0"/>
+          <a:ext cx="0" cy="0"/>
+          <a:chOff x="0" y="0"/>
+          <a:chExt cx="0" cy="0"/>
+        </a:xfrm>
+      </p:grpSpPr>
+      <p:sp>
+        <p:nvSpPr>
+          <p:cNvPr id="2" name="Образ слайда 1"/>
+          <p:cNvSpPr>
+            <a:spLocks noGrp="1" noRot="1" noChangeAspect="1"/>
+          </p:cNvSpPr>
+          <p:nvPr>
+            <p:ph type="sldImg"/>
+          </p:nvPr>
+        </p:nvSpPr>
+        <p:spPr/>
+      </p:sp>
+      <p:sp>
+        <p:nvSpPr>
+          <p:cNvPr id="3" name="Заметки 2"/>
+          <p:cNvSpPr>
+            <a:spLocks noGrp="1"/>
+          </p:cNvSpPr>
+          <p:nvPr>
+            <p:ph type="body" idx="1"/>
+          </p:nvPr>
+        </p:nvSpPr>
+        <p:spPr/>
+        <p:txBody>
+          <a:bodyPr>
+            <a:normAutofit/>
+          </a:bodyPr>
+          <a:lstStyle/>
+          <a:p>
+            <a:endParaRPr lang="ru-RU" dirty="0"/>
+          </a:p>
+        </p:txBody>
+      </p:sp>
+      <p:sp>
+        <p:nvSpPr>
+          <p:cNvPr id="4" name="Номер слайда 3"/>
+          <p:cNvSpPr>
+            <a:spLocks noGrp="1"/>
+          </p:cNvSpPr>
+          <p:nvPr>
+            <p:ph type="sldNum" sz="quarter" idx="10"/>
+          </p:nvPr>
+        </p:nvSpPr>
+        <p:spPr/>
+        <p:txBody>
+          <a:bodyPr/>
+          <a:lstStyle/>
+          <a:p>
+            <a:fld id="{B9C302D2-0296-4AEA-8A6D-C48187813113}" type="slidenum">
+              <a:rPr lang="ru-RU" smtClean="0"/>
+              <a:pPr/>
+              <a:t>11</a:t>
+            </a:fld>
+            <a:endParaRPr lang="ru-RU"/>
+          </a:p>
+        </p:txBody>
+      </p:sp>
+    </p:spTree>
+  </p:cSld>
+  <p:clrMapOvr>
+    <a:masterClrMapping/>
+  </p:clrMapOvr>
+</p:notes>
+</file>
+
+<file path=ppt/notesSlides/notesSlide9.xml><?xml version="1.0" encoding="utf-8"?>
+<p:notes xmlns:a="http://schemas.openxmlformats.org/drawingml/2006/main" xmlns:r="http://schemas.openxmlformats.org/officeDocument/2006/relationships" xmlns:p="http://schemas.openxmlformats.org/presentationml/2006/main">
+  <p:cSld>
+    <p:spTree>
+      <p:nvGrpSpPr>
+        <p:cNvPr id="1" name=""/>
+        <p:cNvGrpSpPr/>
+        <p:nvPr/>
+      </p:nvGrpSpPr>
+      <p:grpSpPr>
+        <a:xfrm>
+          <a:off x="0" y="0"/>
+          <a:ext cx="0" cy="0"/>
+          <a:chOff x="0" y="0"/>
+          <a:chExt cx="0" cy="0"/>
+        </a:xfrm>
+      </p:grpSpPr>
+      <p:sp>
+        <p:nvSpPr>
+          <p:cNvPr id="2" name="Образ слайда 1"/>
+          <p:cNvSpPr>
+            <a:spLocks noGrp="1" noRot="1" noChangeAspect="1"/>
+          </p:cNvSpPr>
+          <p:nvPr>
+            <p:ph type="sldImg"/>
+          </p:nvPr>
+        </p:nvSpPr>
+        <p:spPr/>
+      </p:sp>
+      <p:sp>
+        <p:nvSpPr>
+          <p:cNvPr id="3" name="Заметки 2"/>
+          <p:cNvSpPr>
+            <a:spLocks noGrp="1"/>
+          </p:cNvSpPr>
+          <p:nvPr>
+            <p:ph type="body" idx="1"/>
+          </p:nvPr>
+        </p:nvSpPr>
+        <p:spPr/>
+        <p:txBody>
+          <a:bodyPr>
+            <a:normAutofit/>
+          </a:bodyPr>
+          <a:lstStyle/>
+          <a:p>
+            <a:endParaRPr lang="ru-RU" dirty="0"/>
+          </a:p>
+        </p:txBody>
+      </p:sp>
+      <p:sp>
+        <p:nvSpPr>
+          <p:cNvPr id="4" name="Номер слайда 3"/>
+          <p:cNvSpPr>
+            <a:spLocks noGrp="1"/>
+          </p:cNvSpPr>
+          <p:nvPr>
+            <p:ph type="sldNum" sz="quarter" idx="10"/>
+          </p:nvPr>
+        </p:nvSpPr>
+        <p:spPr/>
+        <p:txBody>
+          <a:bodyPr/>
+          <a:lstStyle/>
+          <a:p>
+            <a:fld id="{B9C302D2-0296-4AEA-8A6D-C48187813113}" type="slidenum">
+              <a:rPr lang="ru-RU" smtClean="0"/>
+              <a:pPr/>
+              <a:t>12</a:t>
+            </a:fld>
+            <a:endParaRPr lang="ru-RU"/>
+          </a:p>
+        </p:txBody>
+      </p:sp>
+    </p:spTree>
+  </p:cSld>
+  <p:clrMapOvr>
+    <a:masterClrMapping/>
+  </p:clrMapOvr>
+</p:notes>
 </file>
 
 <file path=ppt/slideLayouts/slideLayout1.xml><?xml version="1.0" encoding="utf-8"?>
@@ -11278,7 +13492,7 @@
         <p:spPr>
           <a:xfrm>
             <a:off x="723900" y="1573024"/>
-            <a:ext cx="9791700" cy="3477875"/>
+            <a:ext cx="9791700" cy="4093428"/>
           </a:xfrm>
           <a:prstGeom prst="rect">
             <a:avLst/>
@@ -11300,15 +13514,7 @@
                 <a:ea typeface="Open Sans" charset="0"/>
                 <a:cs typeface="Open Sans" charset="0"/>
               </a:rPr>
-              <a:t>Things </a:t>
-            </a:r>
-            <a:r>
-              <a:rPr lang="en-US" sz="2000" dirty="0" smtClean="0">
-                <a:latin typeface="Open Sans" charset="0"/>
-                <a:ea typeface="Open Sans" charset="0"/>
-                <a:cs typeface="Open Sans" charset="0"/>
-              </a:rPr>
-              <a:t>to consider before you create your table are:</a:t>
+              <a:t>Things to consider before you create your table are:</a:t>
             </a:r>
           </a:p>
           <a:p>
@@ -11389,35 +13595,56 @@
                 <a:ea typeface="Open Sans" charset="0"/>
                 <a:cs typeface="Open Sans" charset="0"/>
               </a:rPr>
-              <a:t>CREATE </a:t>
-            </a:r>
+              <a:t>CREATE TABLE statement syntax:</a:t>
+            </a:r>
+          </a:p>
+          <a:p>
             <a:r>
               <a:rPr lang="en-US" sz="2000" dirty="0" smtClean="0">
                 <a:latin typeface="Open Sans" charset="0"/>
                 <a:ea typeface="Open Sans" charset="0"/>
                 <a:cs typeface="Open Sans" charset="0"/>
               </a:rPr>
-              <a:t>TABLE statement syntax:</a:t>
-            </a:r>
-          </a:p>
-          <a:p>
+              <a:t>CREATE TABLE &lt;table name</a:t>
+            </a:r>
             <a:r>
               <a:rPr lang="en-US" sz="2000" dirty="0" smtClean="0">
                 <a:latin typeface="Open Sans" charset="0"/>
                 <a:ea typeface="Open Sans" charset="0"/>
                 <a:cs typeface="Open Sans" charset="0"/>
               </a:rPr>
-              <a:t>CREATE TABLE &lt;table name&gt;</a:t>
-            </a:r>
-          </a:p>
-          <a:p>
+              <a:t>&gt;</a:t>
+            </a:r>
+            <a:r>
+              <a:rPr lang="uk-UA" sz="2000" dirty="0" smtClean="0">
+                <a:latin typeface="Open Sans" charset="0"/>
+                <a:ea typeface="Open Sans" charset="0"/>
+                <a:cs typeface="Open Sans" charset="0"/>
+              </a:rPr>
+              <a:t> </a:t>
+            </a:r>
             <a:r>
               <a:rPr lang="en-US" sz="2000" dirty="0" smtClean="0">
                 <a:latin typeface="Open Sans" charset="0"/>
                 <a:ea typeface="Open Sans" charset="0"/>
                 <a:cs typeface="Open Sans" charset="0"/>
               </a:rPr>
-              <a:t>( field1 </a:t>
+              <a:t>(</a:t>
+            </a:r>
+            <a:endParaRPr lang="uk-UA" sz="2000" dirty="0" smtClean="0">
+              <a:latin typeface="Open Sans" charset="0"/>
+              <a:ea typeface="Open Sans" charset="0"/>
+              <a:cs typeface="Open Sans" charset="0"/>
+            </a:endParaRPr>
+          </a:p>
+          <a:p>
+            <a:r>
+              <a:rPr lang="en-US" sz="2000" dirty="0" smtClean="0">
+                <a:latin typeface="Open Sans" charset="0"/>
+                <a:ea typeface="Open Sans" charset="0"/>
+                <a:cs typeface="Open Sans" charset="0"/>
+              </a:rPr>
+              <a:t>column_name1 </a:t>
             </a:r>
             <a:r>
               <a:rPr lang="en-US" sz="2000" dirty="0" err="1" smtClean="0">
@@ -11425,7 +13652,7 @@
                 <a:ea typeface="Open Sans" charset="0"/>
                 <a:cs typeface="Open Sans" charset="0"/>
               </a:rPr>
-              <a:t>datatype</a:t>
+              <a:t>data_type</a:t>
             </a:r>
             <a:r>
               <a:rPr lang="en-US" sz="2000" dirty="0" smtClean="0">
@@ -11433,7 +13660,7 @@
                 <a:ea typeface="Open Sans" charset="0"/>
                 <a:cs typeface="Open Sans" charset="0"/>
               </a:rPr>
-              <a:t> ( NOT NULL ),</a:t>
+              <a:t>(size),</a:t>
             </a:r>
           </a:p>
           <a:p>
@@ -11443,7 +13670,7 @@
                 <a:ea typeface="Open Sans" charset="0"/>
                 <a:cs typeface="Open Sans" charset="0"/>
               </a:rPr>
-              <a:t>  field2 </a:t>
+              <a:t>column_name2 </a:t>
             </a:r>
             <a:r>
               <a:rPr lang="en-US" sz="2000" dirty="0" err="1" smtClean="0">
@@ -11451,7 +13678,7 @@
                 <a:ea typeface="Open Sans" charset="0"/>
                 <a:cs typeface="Open Sans" charset="0"/>
               </a:rPr>
-              <a:t>datatype</a:t>
+              <a:t>data_type</a:t>
             </a:r>
             <a:r>
               <a:rPr lang="en-US" sz="2000" dirty="0" smtClean="0">
@@ -11459,7 +13686,43 @@
                 <a:ea typeface="Open Sans" charset="0"/>
                 <a:cs typeface="Open Sans" charset="0"/>
               </a:rPr>
-              <a:t> ( NOT NULL )</a:t>
+              <a:t>(size),</a:t>
+            </a:r>
+          </a:p>
+          <a:p>
+            <a:r>
+              <a:rPr lang="en-US" sz="2000" dirty="0" smtClean="0">
+                <a:latin typeface="Open Sans" charset="0"/>
+                <a:ea typeface="Open Sans" charset="0"/>
+                <a:cs typeface="Open Sans" charset="0"/>
+              </a:rPr>
+              <a:t>column_name3 </a:t>
+            </a:r>
+            <a:r>
+              <a:rPr lang="en-US" sz="2000" dirty="0" err="1" smtClean="0">
+                <a:latin typeface="Open Sans" charset="0"/>
+                <a:ea typeface="Open Sans" charset="0"/>
+                <a:cs typeface="Open Sans" charset="0"/>
+              </a:rPr>
+              <a:t>data_type</a:t>
+            </a:r>
+            <a:r>
+              <a:rPr lang="en-US" sz="2000" dirty="0" smtClean="0">
+                <a:latin typeface="Open Sans" charset="0"/>
+                <a:ea typeface="Open Sans" charset="0"/>
+                <a:cs typeface="Open Sans" charset="0"/>
+              </a:rPr>
+              <a:t>(size)</a:t>
+            </a:r>
+          </a:p>
+          <a:p>
+            <a:r>
+              <a:rPr lang="en-US" sz="2000" dirty="0" smtClean="0">
+                <a:latin typeface="Open Sans" charset="0"/>
+                <a:ea typeface="Open Sans" charset="0"/>
+                <a:cs typeface="Open Sans" charset="0"/>
+              </a:rPr>
+              <a:t>...</a:t>
             </a:r>
           </a:p>
           <a:p>
@@ -11542,7 +13805,7 @@
           <p:nvPr/>
         </p:nvPicPr>
         <p:blipFill>
-          <a:blip r:embed="rId2"/>
+          <a:blip r:embed="rId3"/>
           <a:srcRect/>
           <a:stretch>
             <a:fillRect/>
@@ -11640,17 +13903,8 @@
             </a:pPr>
             <a:r>
               <a:rPr lang="en-US" dirty="0" smtClean="0"/>
-              <a:t>To </a:t>
-            </a:r>
-            <a:r>
-              <a:rPr lang="en-US" dirty="0" smtClean="0"/>
-              <a:t>add or drop columns on existing tables</a:t>
-            </a:r>
-            <a:r>
-              <a:rPr lang="en-US" dirty="0" smtClean="0"/>
-              <a:t>.</a:t>
-            </a:r>
-            <a:endParaRPr lang="en-US" dirty="0" smtClean="0"/>
+              <a:t>To add or drop columns on existing tables.</a:t>
+            </a:r>
           </a:p>
           <a:p>
             <a:pPr indent="363538">
@@ -11659,11 +13913,7 @@
             </a:pPr>
             <a:r>
               <a:rPr lang="en-US" dirty="0" smtClean="0"/>
-              <a:t>ALTER </a:t>
-            </a:r>
-            <a:r>
-              <a:rPr lang="en-US" dirty="0" smtClean="0"/>
-              <a:t>TABLE statement syntax:</a:t>
+              <a:t>ALTER TABLE statement syntax:</a:t>
             </a:r>
           </a:p>
           <a:p>
@@ -11675,11 +13925,15 @@
           <a:p>
             <a:r>
               <a:rPr lang="en-US" dirty="0" smtClean="0"/>
-              <a:t>ADD </a:t>
+              <a:t>ADD</a:t>
+            </a:r>
+            <a:r>
+              <a:rPr lang="uk-UA" dirty="0" smtClean="0"/>
+              <a:t> </a:t>
             </a:r>
             <a:r>
               <a:rPr lang="en-US" dirty="0" err="1" smtClean="0"/>
-              <a:t>attr</a:t>
+              <a:t>column_name</a:t>
             </a:r>
             <a:r>
               <a:rPr lang="en-US" dirty="0" smtClean="0"/>
@@ -11689,10 +13943,7 @@
               <a:rPr lang="en-US" dirty="0" err="1" smtClean="0"/>
               <a:t>datatype</a:t>
             </a:r>
-            <a:r>
-              <a:rPr lang="en-US" dirty="0" smtClean="0"/>
-              <a:t>;</a:t>
-            </a:r>
+            <a:endParaRPr lang="en-US" dirty="0" smtClean="0"/>
           </a:p>
           <a:p>
             <a:r>
@@ -11805,17 +14056,8 @@
             </a:pPr>
             <a:r>
               <a:rPr lang="en-US" dirty="0" smtClean="0"/>
-              <a:t>CASCADE</a:t>
-            </a:r>
-            <a:r>
-              <a:rPr lang="en-US" dirty="0" smtClean="0"/>
-              <a:t>: Specifies that any foreign key constraint violations that are caused by dropping the table will cause the corresponding rows of the related table to be deleted</a:t>
-            </a:r>
-            <a:r>
-              <a:rPr lang="en-US" dirty="0" smtClean="0"/>
-              <a:t>.</a:t>
-            </a:r>
-            <a:endParaRPr lang="en-US" dirty="0" smtClean="0"/>
+              <a:t>CASCADE: Specifies that any foreign key constraint violations that are caused by dropping the table will cause the corresponding rows of the related table to be deleted.</a:t>
+            </a:r>
           </a:p>
           <a:p>
             <a:pPr indent="363538">
@@ -11824,11 +14066,7 @@
             </a:pPr>
             <a:r>
               <a:rPr lang="en-US" dirty="0" smtClean="0"/>
-              <a:t>RESTRICT</a:t>
-            </a:r>
-            <a:r>
-              <a:rPr lang="en-US" dirty="0" smtClean="0"/>
-              <a:t>: blocks the deletion of the table of any foreign key constraint violations would be created.</a:t>
+              <a:t>RESTRICT: blocks the deletion of the table of any foreign key constraint violations would be created.</a:t>
             </a:r>
           </a:p>
           <a:p>
@@ -11961,7 +14199,6 @@
               <a:rPr lang="en-US" dirty="0" smtClean="0"/>
               <a:t>);</a:t>
             </a:r>
-            <a:endParaRPr lang="en-US" dirty="0" smtClean="0"/>
           </a:p>
           <a:p>
             <a:r>
@@ -11993,7 +14230,6 @@
               <a:rPr lang="en-US" dirty="0" smtClean="0"/>
               <a:t>);</a:t>
             </a:r>
-            <a:endParaRPr lang="en-US" dirty="0" smtClean="0"/>
           </a:p>
           <a:p>
             <a:r>
@@ -12187,13 +14423,8 @@
             </a:pPr>
             <a:r>
               <a:rPr lang="en-US" dirty="0" smtClean="0"/>
-              <a:t> INSERT: adds new rows to a table</a:t>
-            </a:r>
-            <a:r>
-              <a:rPr lang="en-US" dirty="0" smtClean="0"/>
-              <a:t>.</a:t>
-            </a:r>
-            <a:endParaRPr lang="en-US" dirty="0" smtClean="0"/>
+              <a:t> INSERT: adds new rows to a table.</a:t>
+            </a:r>
           </a:p>
           <a:p>
             <a:pPr indent="363538">
@@ -12205,13 +14436,8 @@
             </a:pPr>
             <a:r>
               <a:rPr lang="en-US" dirty="0" smtClean="0"/>
-              <a:t> UPDATE: modifies one or more attributes</a:t>
-            </a:r>
-            <a:r>
-              <a:rPr lang="en-US" dirty="0" smtClean="0"/>
-              <a:t>.</a:t>
-            </a:r>
-            <a:endParaRPr lang="en-US" dirty="0" smtClean="0"/>
+              <a:t> UPDATE: modifies one or more attributes.</a:t>
+            </a:r>
           </a:p>
           <a:p>
             <a:pPr indent="363538">
@@ -12316,11 +14542,7 @@
             </a:pPr>
             <a:r>
               <a:rPr lang="en-US" dirty="0" smtClean="0"/>
-              <a:t>To </a:t>
-            </a:r>
-            <a:r>
-              <a:rPr lang="en-US" dirty="0" smtClean="0"/>
-              <a:t>insert a row into a table, it is necessary to have a value for each attribute, and order matters.</a:t>
+              <a:t>To insert a row into a table, it is necessary to have a value for each attribute, and order matters.</a:t>
             </a:r>
           </a:p>
           <a:p>
@@ -12330,17 +14552,13 @@
             </a:pPr>
             <a:r>
               <a:rPr lang="en-US" dirty="0" smtClean="0"/>
-              <a:t>INSERT </a:t>
-            </a:r>
-            <a:r>
-              <a:rPr lang="en-US" dirty="0" smtClean="0"/>
-              <a:t>statement syntax:</a:t>
-            </a:r>
-          </a:p>
-          <a:p>
-            <a:r>
-              <a:rPr lang="en-US" dirty="0" smtClean="0"/>
-              <a:t>INSERT into &lt;table name&gt;</a:t>
+              <a:t>INSERT statement syntax:</a:t>
+            </a:r>
+          </a:p>
+          <a:p>
+            <a:r>
+              <a:rPr lang="en-US" dirty="0" smtClean="0"/>
+              <a:t>INSERT INTO &lt;table name&gt;</a:t>
             </a:r>
           </a:p>
           <a:p>
@@ -12364,11 +14582,7 @@
             </a:r>
             <a:r>
               <a:rPr lang="en-US" dirty="0" smtClean="0"/>
-              <a:t>VALUES </a:t>
-            </a:r>
-            <a:r>
-              <a:rPr lang="en-US" dirty="0" smtClean="0"/>
-              <a:t>(’02/26/08', ‘pizza', 70 );</a:t>
+              <a:t>VALUES (’02/26/08', ‘pizza', 70 );</a:t>
             </a:r>
           </a:p>
           <a:p>
@@ -12391,7 +14605,7 @@
           <p:nvPr/>
         </p:nvPicPr>
         <p:blipFill>
-          <a:blip r:embed="rId2"/>
+          <a:blip r:embed="rId3"/>
           <a:srcRect/>
           <a:stretch>
             <a:fillRect/>
@@ -12424,7 +14638,7 @@
           <p:nvPr/>
         </p:nvPicPr>
         <p:blipFill>
-          <a:blip r:embed="rId3"/>
+          <a:blip r:embed="rId4"/>
           <a:srcRect/>
           <a:stretch>
             <a:fillRect/>
@@ -12523,11 +14737,7 @@
             </a:pPr>
             <a:r>
               <a:rPr lang="en-US" dirty="0" smtClean="0"/>
-              <a:t>To </a:t>
-            </a:r>
-            <a:r>
-              <a:rPr lang="en-US" dirty="0" smtClean="0"/>
-              <a:t>update the content of the table:</a:t>
+              <a:t>To update the content of the table:</a:t>
             </a:r>
           </a:p>
           <a:p>
@@ -12567,11 +14777,7 @@
             </a:r>
             <a:r>
               <a:rPr lang="en-US" dirty="0" smtClean="0"/>
-              <a:t> SET sold = </a:t>
-            </a:r>
-            <a:r>
-              <a:rPr lang="en-US" dirty="0" smtClean="0"/>
-              <a:t>349</a:t>
+              <a:t> SET sold = 349</a:t>
             </a:r>
             <a:r>
               <a:rPr lang="uk-UA" dirty="0" smtClean="0"/>
@@ -12579,11 +14785,7 @@
             </a:r>
             <a:r>
               <a:rPr lang="en-US" dirty="0" smtClean="0"/>
-              <a:t>WHERE </a:t>
-            </a:r>
-            <a:r>
-              <a:rPr lang="en-US" dirty="0" smtClean="0"/>
-              <a:t>date = ’02/25/08’ AND food = ‘pizza’;</a:t>
+              <a:t>WHERE date = ’02/25/08’ AND food = ‘pizza’;</a:t>
             </a:r>
           </a:p>
           <a:p>
@@ -12600,7 +14802,7 @@
           <p:nvPr/>
         </p:nvPicPr>
         <p:blipFill>
-          <a:blip r:embed="rId2"/>
+          <a:blip r:embed="rId3"/>
           <a:srcRect/>
           <a:stretch>
             <a:fillRect/>
@@ -12633,7 +14835,7 @@
           <p:nvPr/>
         </p:nvPicPr>
         <p:blipFill>
-          <a:blip r:embed="rId3"/>
+          <a:blip r:embed="rId4"/>
           <a:srcRect/>
           <a:stretch>
             <a:fillRect/>
@@ -12737,11 +14939,7 @@
             </a:pPr>
             <a:r>
               <a:rPr lang="en-US" dirty="0" smtClean="0"/>
-              <a:t>To </a:t>
-            </a:r>
-            <a:r>
-              <a:rPr lang="en-US" dirty="0" smtClean="0"/>
-              <a:t>delete rows from the table:</a:t>
+              <a:t>To delete rows from the table:</a:t>
             </a:r>
           </a:p>
           <a:p>
@@ -12781,11 +14979,7 @@
             </a:r>
             <a:r>
               <a:rPr lang="en-US" dirty="0" smtClean="0"/>
-              <a:t>WHERE </a:t>
-            </a:r>
-            <a:r>
-              <a:rPr lang="en-US" dirty="0" smtClean="0"/>
-              <a:t>food = ‘hotdog’;</a:t>
+              <a:t>WHERE food = ‘hotdog’;</a:t>
             </a:r>
           </a:p>
           <a:p>
@@ -12802,7 +14996,7 @@
           <p:nvPr/>
         </p:nvPicPr>
         <p:blipFill>
-          <a:blip r:embed="rId2"/>
+          <a:blip r:embed="rId3"/>
           <a:srcRect/>
           <a:stretch>
             <a:fillRect/>
@@ -12835,7 +15029,7 @@
           <p:nvPr/>
         </p:nvPicPr>
         <p:blipFill>
-          <a:blip r:embed="rId3"/>
+          <a:blip r:embed="rId4"/>
           <a:srcRect/>
           <a:stretch>
             <a:fillRect/>
@@ -13299,13 +15493,8 @@
             </a:pPr>
             <a:r>
               <a:rPr lang="en-US" dirty="0" smtClean="0"/>
-              <a:t> A basic SELECT statement includes 3 </a:t>
-            </a:r>
-            <a:r>
-              <a:rPr lang="en-US" dirty="0" smtClean="0"/>
-              <a:t>clauses</a:t>
-            </a:r>
-            <a:endParaRPr lang="en-US" dirty="0" smtClean="0"/>
+              <a:t> A basic SELECT statement includes 3 clauses</a:t>
+            </a:r>
           </a:p>
           <a:p>
             <a:r>
@@ -13929,15 +16118,7 @@
             </a:pPr>
             <a:r>
               <a:rPr lang="en-US" dirty="0" smtClean="0"/>
-              <a:t>Using </a:t>
-            </a:r>
-            <a:r>
-              <a:rPr lang="en-US" dirty="0" smtClean="0"/>
-              <a:t>a “*” in a select statement indicates that every attribute of the input table is to be </a:t>
-            </a:r>
-            <a:r>
-              <a:rPr lang="en-US" dirty="0" smtClean="0"/>
-              <a:t>selected.</a:t>
+              <a:t>Using a “*” in a select statement indicates that every attribute of the input table is to be selected.</a:t>
             </a:r>
             <a:endParaRPr lang="uk-UA" dirty="0" smtClean="0"/>
           </a:p>
@@ -13945,11 +16126,7 @@
             <a:pPr indent="363538"/>
             <a:r>
               <a:rPr lang="en-US" dirty="0" smtClean="0"/>
-              <a:t>Example</a:t>
-            </a:r>
-            <a:r>
-              <a:rPr lang="en-US" dirty="0" smtClean="0"/>
-              <a:t>: SELECT * FROM … WHERE …;</a:t>
+              <a:t>Example: SELECT * FROM … WHERE …;</a:t>
             </a:r>
           </a:p>
           <a:p>
@@ -13966,29 +16143,13 @@
             </a:pPr>
             <a:r>
               <a:rPr lang="en-US" dirty="0" smtClean="0"/>
-              <a:t>To </a:t>
-            </a:r>
-            <a:r>
-              <a:rPr lang="en-US" dirty="0" smtClean="0"/>
-              <a:t>get unique rows, type the keyword DISTINCT after SELECT.</a:t>
-            </a:r>
-          </a:p>
-          <a:p>
-            <a:r>
-              <a:rPr lang="en-US" dirty="0" smtClean="0"/>
-              <a:t>Example</a:t>
-            </a:r>
-            <a:r>
-              <a:rPr lang="en-US" dirty="0" smtClean="0"/>
-              <a:t>: SELECT DISTINCT * FROM … 	</a:t>
-            </a:r>
-            <a:r>
-              <a:rPr lang="en-US" dirty="0" smtClean="0"/>
-              <a:t>WHERE </a:t>
-            </a:r>
-            <a:r>
-              <a:rPr lang="en-US" dirty="0" smtClean="0"/>
-              <a:t>…;</a:t>
+              <a:t>To get unique rows, type the keyword DISTINCT after SELECT.</a:t>
+            </a:r>
+          </a:p>
+          <a:p>
+            <a:r>
+              <a:rPr lang="en-US" dirty="0" smtClean="0"/>
+              <a:t>Example: SELECT DISTINCT * FROM … 	WHERE …;</a:t>
             </a:r>
           </a:p>
           <a:p>
@@ -14056,11 +16217,7 @@
           <a:p>
             <a:r>
               <a:rPr lang="en-US" b="1" dirty="0" smtClean="0"/>
-              <a:t>Example</a:t>
-            </a:r>
-            <a:r>
-              <a:rPr lang="en-US" b="1" dirty="0" smtClean="0"/>
-              <a:t>:</a:t>
+              <a:t>Example:</a:t>
             </a:r>
             <a:endParaRPr lang="uk-UA" b="1" dirty="0" smtClean="0"/>
           </a:p>
@@ -14423,15 +16580,7 @@
                 <a:ea typeface="Open Sans" charset="0"/>
                 <a:cs typeface="Open Sans" charset="0"/>
               </a:rPr>
-              <a:t>A join can be specified in the FROM clause which list the two input relations and the WHERE clause which lists the join condition</a:t>
-            </a:r>
-            <a:r>
-              <a:rPr lang="en-US" sz="2000" dirty="0" smtClean="0">
-                <a:latin typeface="Open Sans" charset="0"/>
-                <a:ea typeface="Open Sans" charset="0"/>
-                <a:cs typeface="Open Sans" charset="0"/>
-              </a:rPr>
-              <a:t>.</a:t>
+              <a:t>A join can be specified in the FROM clause which list the two input relations and the WHERE clause which lists the join condition.</a:t>
             </a:r>
             <a:endParaRPr lang="uk-UA" sz="2000" dirty="0" smtClean="0">
               <a:latin typeface="Open Sans" charset="0"/>
@@ -14476,7 +16625,7 @@
           <p:nvPr/>
         </p:nvPicPr>
         <p:blipFill>
-          <a:blip r:embed="rId2"/>
+          <a:blip r:embed="rId3"/>
           <a:srcRect/>
           <a:stretch>
             <a:fillRect/>
@@ -14509,7 +16658,7 @@
           <p:nvPr/>
         </p:nvPicPr>
         <p:blipFill>
-          <a:blip r:embed="rId3"/>
+          <a:blip r:embed="rId4"/>
           <a:srcRect/>
           <a:stretch>
             <a:fillRect/>
@@ -14609,7 +16758,7 @@
             </a:pPr>
             <a:r>
               <a:rPr lang="en-US" dirty="0" smtClean="0"/>
-              <a:t>inner join = join</a:t>
+              <a:t>INNER JOIN= JOIN</a:t>
             </a:r>
           </a:p>
           <a:p>
@@ -14629,7 +16778,15 @@
             </a:r>
             <a:r>
               <a:rPr lang="en-US" dirty="0" smtClean="0"/>
-              <a:t> join dept (or FROM </a:t>
+              <a:t> </a:t>
+            </a:r>
+            <a:r>
+              <a:rPr lang="en-US" dirty="0" smtClean="0"/>
+              <a:t>JOIN dept </a:t>
+            </a:r>
+            <a:r>
+              <a:rPr lang="en-US" dirty="0" smtClean="0"/>
+              <a:t>(or FROM </a:t>
             </a:r>
             <a:r>
               <a:rPr lang="en-US" dirty="0" err="1" smtClean="0"/>
@@ -14643,7 +16800,7 @@
           <a:p>
             <a:r>
               <a:rPr lang="en-US" dirty="0" smtClean="0"/>
-              <a:t>	on emp.id = dept.id;</a:t>
+              <a:t>	ON emp.id = dept.id;</a:t>
             </a:r>
           </a:p>
           <a:p>
@@ -14660,7 +16817,7 @@
           <p:nvPr/>
         </p:nvPicPr>
         <p:blipFill>
-          <a:blip r:embed="rId2"/>
+          <a:blip r:embed="rId3"/>
           <a:srcRect/>
           <a:stretch>
             <a:fillRect/>
@@ -14760,7 +16917,7 @@
             </a:pPr>
             <a:r>
               <a:rPr lang="en-US" dirty="0" smtClean="0"/>
-              <a:t>left outer join = left join</a:t>
+              <a:t>LEFT OUTER JOIN = LEFT JOIN</a:t>
             </a:r>
           </a:p>
           <a:p>
@@ -14780,8 +16937,13 @@
             </a:r>
             <a:r>
               <a:rPr lang="en-US" dirty="0" smtClean="0"/>
-              <a:t> left join dept</a:t>
-            </a:r>
+              <a:t> </a:t>
+            </a:r>
+            <a:r>
+              <a:rPr lang="en-US" dirty="0" smtClean="0"/>
+              <a:t>LEFT JOIN dept</a:t>
+            </a:r>
+            <a:endParaRPr lang="en-US" dirty="0" smtClean="0"/>
           </a:p>
           <a:p>
             <a:r>
@@ -14803,7 +16965,7 @@
           <p:nvPr/>
         </p:nvPicPr>
         <p:blipFill>
-          <a:blip r:embed="rId2"/>
+          <a:blip r:embed="rId3"/>
           <a:srcRect/>
           <a:stretch>
             <a:fillRect/>
@@ -14908,7 +17070,7 @@
             </a:pPr>
             <a:r>
               <a:rPr lang="en-US" dirty="0" smtClean="0"/>
-              <a:t>right outer join = right join</a:t>
+              <a:t>RIGHT OUTER JOIN = RIGHT JOIN</a:t>
             </a:r>
           </a:p>
           <a:p>
@@ -14928,8 +17090,13 @@
             </a:r>
             <a:r>
               <a:rPr lang="en-US" dirty="0" smtClean="0"/>
-              <a:t> right join dept</a:t>
-            </a:r>
+              <a:t> </a:t>
+            </a:r>
+            <a:r>
+              <a:rPr lang="en-US" dirty="0" smtClean="0"/>
+              <a:t>RIGHT JOIN dept</a:t>
+            </a:r>
+            <a:endParaRPr lang="en-US" dirty="0" smtClean="0"/>
           </a:p>
           <a:p>
             <a:r>
@@ -14951,7 +17118,7 @@
           <p:nvPr/>
         </p:nvPicPr>
         <p:blipFill>
-          <a:blip r:embed="rId2"/>
+          <a:blip r:embed="rId3"/>
           <a:srcRect/>
           <a:stretch>
             <a:fillRect/>
@@ -15090,15 +17257,7 @@
           <a:p>
             <a:r>
               <a:rPr lang="en-US" dirty="0" smtClean="0"/>
-              <a:t>	</a:t>
-            </a:r>
-            <a:r>
-              <a:rPr lang="en-US" dirty="0" smtClean="0"/>
-              <a:t>-&gt; </a:t>
-            </a:r>
-            <a:r>
-              <a:rPr lang="en-US" dirty="0" smtClean="0"/>
-              <a:t>finds ID that ends with 01, e.g. 1001, 2001, etc</a:t>
+              <a:t>	-&gt; finds ID that ends with 01, e.g. 1001, 2001, etc</a:t>
             </a:r>
           </a:p>
           <a:p>
@@ -15144,11 +17303,7 @@
             </a:r>
             <a:r>
               <a:rPr lang="en-US" dirty="0" smtClean="0"/>
-              <a:t>&gt; </a:t>
-            </a:r>
-            <a:r>
-              <a:rPr lang="en-US" dirty="0" smtClean="0"/>
-              <a:t>finds ID that has the second and third character as 01, e.g. 1010, 1011, 1012, 1013, etc</a:t>
+              <a:t>&gt; finds ID that has the second and third character as 01, e.g. 1010, 1011, 1012, 1013, etc</a:t>
             </a:r>
           </a:p>
           <a:p>
@@ -15207,7 +17362,6 @@
               <a:rPr lang="en-US" dirty="0" smtClean="0"/>
               <a:t>SQL: The ORDER BY Clause</a:t>
             </a:r>
-            <a:endParaRPr lang="en-US" dirty="0" smtClean="0"/>
           </a:p>
         </p:txBody>
       </p:sp>
@@ -15269,7 +17423,11 @@
           <a:p>
             <a:r>
               <a:rPr lang="en-US" dirty="0" smtClean="0"/>
-              <a:t>	order by state </a:t>
+              <a:t>	</a:t>
+            </a:r>
+            <a:r>
+              <a:rPr lang="en-US" dirty="0" smtClean="0"/>
+              <a:t>ORDER BY state </a:t>
             </a:r>
             <a:r>
               <a:rPr lang="en-US" dirty="0" err="1" smtClean="0"/>
@@ -15280,15 +17438,7 @@
           <a:p>
             <a:r>
               <a:rPr lang="en-US" dirty="0" smtClean="0"/>
-              <a:t>	</a:t>
-            </a:r>
-            <a:r>
-              <a:rPr lang="en-US" dirty="0" smtClean="0"/>
-              <a:t>-&gt; </a:t>
-            </a:r>
-            <a:r>
-              <a:rPr lang="en-US" dirty="0" smtClean="0"/>
-              <a:t>puts state in descending order, e.g. TN, MA, CA</a:t>
+              <a:t>	-&gt; puts state in descending order, e.g. TN, MA, CA</a:t>
             </a:r>
           </a:p>
           <a:p>
@@ -15324,7 +17474,11 @@
           <a:p>
             <a:r>
               <a:rPr lang="en-US" dirty="0" smtClean="0"/>
-              <a:t>	order by id </a:t>
+              <a:t>	</a:t>
+            </a:r>
+            <a:r>
+              <a:rPr lang="en-US" dirty="0" smtClean="0"/>
+              <a:t>ORDER BY id </a:t>
             </a:r>
             <a:r>
               <a:rPr lang="en-US" dirty="0" err="1" smtClean="0"/>
@@ -15335,15 +17489,7 @@
           <a:p>
             <a:r>
               <a:rPr lang="en-US" dirty="0" smtClean="0"/>
-              <a:t>	</a:t>
-            </a:r>
-            <a:r>
-              <a:rPr lang="en-US" dirty="0" smtClean="0"/>
-              <a:t>-&gt; </a:t>
-            </a:r>
-            <a:r>
-              <a:rPr lang="en-US" dirty="0" smtClean="0"/>
-              <a:t>puts ID in ascending order, e.g. 1001, 1002, 1003</a:t>
+              <a:t>	-&gt; puts ID in ascending order, e.g. 1001, 1002, 1003</a:t>
             </a:r>
           </a:p>
           <a:p>
@@ -15525,7 +17671,23 @@
                 <a:ea typeface="Open Sans" charset="0"/>
                 <a:cs typeface="Open Sans" charset="0"/>
               </a:rPr>
-              <a:t>	group by food; </a:t>
+              <a:t>	</a:t>
+            </a:r>
+            <a:r>
+              <a:rPr lang="en-US" sz="2000" dirty="0" smtClean="0">
+                <a:latin typeface="Open Sans" charset="0"/>
+                <a:ea typeface="Open Sans" charset="0"/>
+                <a:cs typeface="Open Sans" charset="0"/>
+              </a:rPr>
+              <a:t>GROUP BY food</a:t>
+            </a:r>
+            <a:r>
+              <a:rPr lang="en-US" sz="2000" dirty="0" smtClean="0">
+                <a:latin typeface="Open Sans" charset="0"/>
+                <a:ea typeface="Open Sans" charset="0"/>
+                <a:cs typeface="Open Sans" charset="0"/>
+              </a:rPr>
+              <a:t>; </a:t>
             </a:r>
           </a:p>
         </p:txBody>
@@ -15539,7 +17701,7 @@
           <p:nvPr/>
         </p:nvPicPr>
         <p:blipFill>
-          <a:blip r:embed="rId2"/>
+          <a:blip r:embed="rId3"/>
           <a:srcRect/>
           <a:stretch>
             <a:fillRect/>
@@ -15572,7 +17734,7 @@
           <p:nvPr/>
         </p:nvPicPr>
         <p:blipFill>
-          <a:blip r:embed="rId3"/>
+          <a:blip r:embed="rId4"/>
           <a:srcRect/>
           <a:stretch>
             <a:fillRect/>
@@ -15768,17 +17930,26 @@
           <a:p>
             <a:r>
               <a:rPr lang="en-US" dirty="0" smtClean="0"/>
-              <a:t>	group by food </a:t>
-            </a:r>
-          </a:p>
-          <a:p>
-            <a:r>
-              <a:rPr lang="en-US" dirty="0" smtClean="0"/>
-              <a:t>	having sum(sold) &gt; 450</a:t>
-            </a:r>
-            <a:r>
-              <a:rPr lang="en-US" dirty="0" smtClean="0"/>
-              <a:t>;</a:t>
+              <a:t>	</a:t>
+            </a:r>
+            <a:r>
+              <a:rPr lang="en-US" dirty="0" smtClean="0"/>
+              <a:t>GROUP BY food </a:t>
+            </a:r>
+            <a:endParaRPr lang="en-US" dirty="0" smtClean="0"/>
+          </a:p>
+          <a:p>
+            <a:r>
+              <a:rPr lang="en-US" dirty="0" smtClean="0"/>
+              <a:t>	</a:t>
+            </a:r>
+            <a:r>
+              <a:rPr lang="en-US" dirty="0" smtClean="0"/>
+              <a:t>HAVING sum(sold</a:t>
+            </a:r>
+            <a:r>
+              <a:rPr lang="en-US" dirty="0" smtClean="0"/>
+              <a:t>) &gt; 450;</a:t>
             </a:r>
           </a:p>
           <a:p>
@@ -15806,7 +17977,7 @@
           <p:nvPr/>
         </p:nvPicPr>
         <p:blipFill>
-          <a:blip r:embed="rId2"/>
+          <a:blip r:embed="rId3"/>
           <a:srcRect/>
           <a:stretch>
             <a:fillRect/>
@@ -15839,7 +18010,7 @@
           <p:nvPr/>
         </p:nvPicPr>
         <p:blipFill>
-          <a:blip r:embed="rId3"/>
+          <a:blip r:embed="rId4"/>
           <a:srcRect/>
           <a:stretch>
             <a:fillRect/>
@@ -16028,13 +18199,8 @@
             </a:r>
             <a:r>
               <a:rPr lang="en-US" dirty="0" smtClean="0"/>
-              <a:t>)</a:t>
-            </a:r>
-            <a:r>
-              <a:rPr lang="en-US" dirty="0" smtClean="0"/>
-              <a:t>‏</a:t>
-            </a:r>
-            <a:endParaRPr lang="en-US" dirty="0" smtClean="0"/>
+              <a:t>)‏</a:t>
+            </a:r>
           </a:p>
           <a:p>
             <a:r>
@@ -16142,11 +18308,7 @@
             </a:r>
             <a:r>
               <a:rPr lang="en-US" dirty="0" smtClean="0"/>
-              <a:t>; -&gt; </a:t>
-            </a:r>
-            <a:r>
-              <a:rPr lang="en-US" dirty="0" smtClean="0"/>
-              <a:t>2</a:t>
+              <a:t>; -&gt; 2</a:t>
             </a:r>
             <a:endParaRPr lang="uk-UA" dirty="0" smtClean="0"/>
           </a:p>
@@ -16251,7 +18413,7 @@
           <p:nvPr/>
         </p:nvPicPr>
         <p:blipFill>
-          <a:blip r:embed="rId2"/>
+          <a:blip r:embed="rId3"/>
           <a:srcRect/>
           <a:stretch>
             <a:fillRect/>
@@ -16442,7 +18604,7 @@
           <p:nvPr/>
         </p:nvPicPr>
         <p:blipFill>
-          <a:blip r:embed="rId2"/>
+          <a:blip r:embed="rId3"/>
           <a:srcRect/>
           <a:stretch>
             <a:fillRect/>
@@ -16535,17 +18697,8 @@
             </a:pPr>
             <a:r>
               <a:rPr lang="en-US" dirty="0" smtClean="0"/>
-              <a:t>http</a:t>
-            </a:r>
-            <a:r>
-              <a:rPr lang="en-US" dirty="0" smtClean="0"/>
-              <a:t>://</a:t>
-            </a:r>
-            <a:r>
-              <a:rPr lang="en-US" dirty="0" smtClean="0"/>
-              <a:t>en.wikipedia.org/wiki/SQL</a:t>
-            </a:r>
-            <a:endParaRPr lang="en-US" dirty="0" smtClean="0"/>
+              <a:t>http://en.wikipedia.org/wiki/SQL</a:t>
+            </a:r>
           </a:p>
           <a:p>
             <a:pPr marL="457200" indent="-457200">
@@ -16554,17 +18707,8 @@
             </a:pPr>
             <a:r>
               <a:rPr lang="en-US" dirty="0" smtClean="0"/>
-              <a:t>http</a:t>
-            </a:r>
-            <a:r>
-              <a:rPr lang="en-US" dirty="0" smtClean="0"/>
-              <a:t>://</a:t>
-            </a:r>
-            <a:r>
-              <a:rPr lang="en-US" dirty="0" smtClean="0"/>
-              <a:t>www.w3schools.com/sql/sql_tryit.asp</a:t>
-            </a:r>
-            <a:endParaRPr lang="en-US" dirty="0" smtClean="0"/>
+              <a:t>http://www.w3schools.com/sql/sql_tryit.asp</a:t>
+            </a:r>
           </a:p>
           <a:p>
             <a:pPr marL="457200" indent="-457200">
@@ -16573,17 +18717,8 @@
             </a:pPr>
             <a:r>
               <a:rPr lang="en-US" dirty="0" smtClean="0"/>
-              <a:t>http</a:t>
-            </a:r>
-            <a:r>
-              <a:rPr lang="en-US" dirty="0" smtClean="0"/>
-              <a:t>://</a:t>
-            </a:r>
-            <a:r>
-              <a:rPr lang="en-US" dirty="0" smtClean="0"/>
-              <a:t>en.wikipedia.org/wiki/SQL</a:t>
-            </a:r>
-            <a:endParaRPr lang="en-US" dirty="0" smtClean="0"/>
+              <a:t>http://en.wikipedia.org/wiki/SQL</a:t>
+            </a:r>
           </a:p>
           <a:p>
             <a:pPr marL="457200" indent="-457200">
@@ -16592,11 +18727,7 @@
             </a:pPr>
             <a:r>
               <a:rPr lang="en-US" dirty="0" smtClean="0"/>
-              <a:t>http</a:t>
-            </a:r>
-            <a:r>
-              <a:rPr lang="en-US" dirty="0" smtClean="0"/>
-              <a:t>://en.wikipedia.org/wiki/Join_(SQL)‏</a:t>
+              <a:t>http://en.wikipedia.org/wiki/Join_(SQL)‏</a:t>
             </a:r>
           </a:p>
           <a:p>
@@ -16736,11 +18867,7 @@
           <a:p>
             <a:r>
               <a:rPr lang="en-US" dirty="0" smtClean="0"/>
-              <a:t>A database is a collection of information that is organized so that it can easily be accessed, managed, and updated</a:t>
-            </a:r>
-            <a:r>
-              <a:rPr lang="en-US" dirty="0" smtClean="0"/>
-              <a:t>.</a:t>
+              <a:t>A database is a collection of information that is organized so that it can easily be accessed, managed, and updated.</a:t>
             </a:r>
             <a:endParaRPr lang="uk-UA" dirty="0" smtClean="0"/>
           </a:p>
@@ -17113,17 +19240,8 @@
             </a:pPr>
             <a:r>
               <a:rPr lang="en-US" dirty="0" smtClean="0"/>
-              <a:t>Includes </a:t>
-            </a:r>
-            <a:r>
-              <a:rPr lang="en-US" dirty="0" smtClean="0"/>
-              <a:t>data definition language (DDL), statements that specify and modify database schemas</a:t>
-            </a:r>
-            <a:r>
-              <a:rPr lang="en-US" dirty="0" smtClean="0"/>
-              <a:t>.</a:t>
-            </a:r>
-            <a:endParaRPr lang="en-US" dirty="0" smtClean="0"/>
+              <a:t>Includes data definition language (DDL), statements that specify and modify database schemas.</a:t>
+            </a:r>
           </a:p>
           <a:p>
             <a:pPr indent="363538">
@@ -17132,11 +19250,7 @@
             </a:pPr>
             <a:r>
               <a:rPr lang="en-US" dirty="0" smtClean="0"/>
-              <a:t>Includes </a:t>
-            </a:r>
-            <a:r>
-              <a:rPr lang="en-US" dirty="0" smtClean="0"/>
-              <a:t>a data manipulation language (DML), statements that manipulate database content.</a:t>
+              <a:t>Includes a data manipulation language (DML), statements that manipulate database content.</a:t>
             </a:r>
           </a:p>
           <a:p>
@@ -17219,17 +19333,8 @@
             </a:pPr>
             <a:r>
               <a:rPr lang="en-US" dirty="0" smtClean="0"/>
-              <a:t>SQL </a:t>
-            </a:r>
-            <a:r>
-              <a:rPr lang="en-US" dirty="0" smtClean="0"/>
-              <a:t>data is case-sensitive, SQL commands are not</a:t>
-            </a:r>
-            <a:r>
-              <a:rPr lang="en-US" dirty="0" smtClean="0"/>
-              <a:t>.</a:t>
-            </a:r>
-            <a:endParaRPr lang="en-US" dirty="0" smtClean="0"/>
+              <a:t>SQL data is case-sensitive, SQL commands are not.</a:t>
+            </a:r>
           </a:p>
           <a:p>
             <a:pPr indent="363538">
@@ -17238,17 +19343,8 @@
             </a:pPr>
             <a:r>
               <a:rPr lang="en-US" dirty="0" smtClean="0"/>
-              <a:t>First </a:t>
-            </a:r>
-            <a:r>
-              <a:rPr lang="en-US" dirty="0" smtClean="0"/>
-              <a:t>Version was developed at IBM by Donald D. Chamberlin and Raymond F. Boyce. [SQL</a:t>
-            </a:r>
-            <a:r>
-              <a:rPr lang="en-US" dirty="0" smtClean="0"/>
-              <a:t>]</a:t>
-            </a:r>
-            <a:endParaRPr lang="en-US" dirty="0" smtClean="0"/>
+              <a:t>First Version was developed at IBM by Donald D. Chamberlin and Raymond F. Boyce. [SQL]</a:t>
+            </a:r>
           </a:p>
           <a:p>
             <a:pPr indent="363538">
@@ -17257,11 +19353,7 @@
             </a:pPr>
             <a:r>
               <a:rPr lang="en-US" dirty="0" smtClean="0"/>
-              <a:t>Developed </a:t>
-            </a:r>
-            <a:r>
-              <a:rPr lang="en-US" dirty="0" smtClean="0"/>
-              <a:t>using Dr. E.F. </a:t>
+              <a:t>Developed using Dr. E.F. </a:t>
             </a:r>
             <a:r>
               <a:rPr lang="en-US" dirty="0" err="1" smtClean="0"/>
@@ -17269,13 +19361,8 @@
             </a:r>
             <a:r>
               <a:rPr lang="en-US" dirty="0" smtClean="0"/>
-              <a:t> paper, “A Relational Model of Data for Large Shared Data Banks</a:t>
-            </a:r>
-            <a:r>
-              <a:rPr lang="en-US" dirty="0" smtClean="0"/>
-              <a:t>.”</a:t>
-            </a:r>
-            <a:endParaRPr lang="en-US" dirty="0" smtClean="0"/>
+              <a:t> paper, “A Relational Model of Data for Large Shared Data Banks.”</a:t>
+            </a:r>
           </a:p>
           <a:p>
             <a:pPr indent="363538">
@@ -17284,11 +19371,7 @@
             </a:pPr>
             <a:r>
               <a:rPr lang="en-US" dirty="0" smtClean="0"/>
-              <a:t>SQL </a:t>
-            </a:r>
-            <a:r>
-              <a:rPr lang="en-US" dirty="0" smtClean="0"/>
-              <a:t>query includes references to </a:t>
+              <a:t>SQL query includes references to </a:t>
             </a:r>
             <a:r>
               <a:rPr lang="en-US" dirty="0" err="1" smtClean="0"/>
@@ -17379,13 +19462,8 @@
             </a:pPr>
             <a:r>
               <a:rPr lang="en-US" dirty="0" smtClean="0"/>
-              <a:t> CREATE TABLE: used to create a table</a:t>
-            </a:r>
-            <a:r>
-              <a:rPr lang="en-US" dirty="0" smtClean="0"/>
-              <a:t>.</a:t>
-            </a:r>
-            <a:endParaRPr lang="en-US" dirty="0" smtClean="0"/>
+              <a:t> CREATE TABLE: used to create a table.</a:t>
+            </a:r>
           </a:p>
           <a:p>
             <a:pPr indent="363538">
@@ -17394,13 +19472,8 @@
             </a:pPr>
             <a:r>
               <a:rPr lang="en-US" dirty="0" smtClean="0"/>
-              <a:t> ALTER TABLE: modifies a table after it was created</a:t>
-            </a:r>
-            <a:r>
-              <a:rPr lang="en-US" dirty="0" smtClean="0"/>
-              <a:t>.</a:t>
-            </a:r>
-            <a:endParaRPr lang="en-US" dirty="0" smtClean="0"/>
+              <a:t> ALTER TABLE: modifies a table after it was created.</a:t>
+            </a:r>
           </a:p>
           <a:p>
             <a:pPr indent="363538">
